--- a/Proposal/Proposal presentation.pptx
+++ b/Proposal/Proposal presentation.pptx
@@ -20,18 +20,29 @@
     <p:sldId id="261" r:id="rId14"/>
     <p:sldId id="282" r:id="rId15"/>
     <p:sldId id="262" r:id="rId16"/>
-    <p:sldId id="263" r:id="rId17"/>
-    <p:sldId id="264" r:id="rId18"/>
-    <p:sldId id="265" r:id="rId19"/>
-    <p:sldId id="266" r:id="rId20"/>
-    <p:sldId id="267" r:id="rId21"/>
-    <p:sldId id="268" r:id="rId22"/>
-    <p:sldId id="269" r:id="rId23"/>
-    <p:sldId id="270" r:id="rId24"/>
-    <p:sldId id="271" r:id="rId25"/>
-    <p:sldId id="272" r:id="rId26"/>
-    <p:sldId id="273" r:id="rId27"/>
-    <p:sldId id="274" r:id="rId28"/>
+    <p:sldId id="283" r:id="rId17"/>
+    <p:sldId id="263" r:id="rId18"/>
+    <p:sldId id="284" r:id="rId19"/>
+    <p:sldId id="264" r:id="rId20"/>
+    <p:sldId id="285" r:id="rId21"/>
+    <p:sldId id="265" r:id="rId22"/>
+    <p:sldId id="286" r:id="rId23"/>
+    <p:sldId id="267" r:id="rId24"/>
+    <p:sldId id="288" r:id="rId25"/>
+    <p:sldId id="268" r:id="rId26"/>
+    <p:sldId id="289" r:id="rId27"/>
+    <p:sldId id="269" r:id="rId28"/>
+    <p:sldId id="290" r:id="rId29"/>
+    <p:sldId id="270" r:id="rId30"/>
+    <p:sldId id="291" r:id="rId31"/>
+    <p:sldId id="271" r:id="rId32"/>
+    <p:sldId id="292" r:id="rId33"/>
+    <p:sldId id="272" r:id="rId34"/>
+    <p:sldId id="293" r:id="rId35"/>
+    <p:sldId id="273" r:id="rId36"/>
+    <p:sldId id="294" r:id="rId37"/>
+    <p:sldId id="274" r:id="rId38"/>
+    <p:sldId id="295" r:id="rId39"/>
   </p:sldIdLst>
   <p:sldSz cx="9144000" cy="6858000" type="screen4x3"/>
   <p:notesSz cx="6858000" cy="9144000"/>
@@ -162,7 +173,7 @@
   </p:defaultTextStyle>
   <p:extLst>
     <p:ext uri="{EFAFB233-063F-42B5-8137-9DF3F51BA10A}">
-      <p15:sldGuideLst xmlns:p15="http://schemas.microsoft.com/office/powerpoint/2012/main" xmlns="">
+      <p15:sldGuideLst xmlns="" xmlns:p15="http://schemas.microsoft.com/office/powerpoint/2012/main">
         <p15:guide id="1" orient="horz" pos="2160">
           <p15:clr>
             <a:srgbClr val="A4A3A4"/>
@@ -370,7 +381,7 @@
               <a:pPr>
                 <a:defRPr/>
               </a:pPr>
-              <a:t>2/16/2019</a:t>
+              <a:t>2/19/2019</a:t>
             </a:fld>
             <a:endParaRPr lang="en-US"/>
           </a:p>
@@ -567,7 +578,7 @@
               <a:pPr>
                 <a:defRPr/>
               </a:pPr>
-              <a:t>2/16/2019</a:t>
+              <a:t>2/19/2019</a:t>
             </a:fld>
             <a:endParaRPr lang="en-US"/>
           </a:p>
@@ -774,7 +785,7 @@
               <a:pPr>
                 <a:defRPr/>
               </a:pPr>
-              <a:t>2/16/2019</a:t>
+              <a:t>2/19/2019</a:t>
             </a:fld>
             <a:endParaRPr lang="en-US"/>
           </a:p>
@@ -971,7 +982,7 @@
               <a:pPr>
                 <a:defRPr/>
               </a:pPr>
-              <a:t>2/16/2019</a:t>
+              <a:t>2/19/2019</a:t>
             </a:fld>
             <a:endParaRPr lang="en-US"/>
           </a:p>
@@ -1244,7 +1255,7 @@
               <a:pPr>
                 <a:defRPr/>
               </a:pPr>
-              <a:t>2/16/2019</a:t>
+              <a:t>2/19/2019</a:t>
             </a:fld>
             <a:endParaRPr lang="en-US"/>
           </a:p>
@@ -1559,7 +1570,7 @@
               <a:pPr>
                 <a:defRPr/>
               </a:pPr>
-              <a:t>2/16/2019</a:t>
+              <a:t>2/19/2019</a:t>
             </a:fld>
             <a:endParaRPr lang="en-US"/>
           </a:p>
@@ -2008,7 +2019,7 @@
               <a:pPr>
                 <a:defRPr/>
               </a:pPr>
-              <a:t>2/16/2019</a:t>
+              <a:t>2/19/2019</a:t>
             </a:fld>
             <a:endParaRPr lang="en-US"/>
           </a:p>
@@ -2153,7 +2164,7 @@
               <a:pPr>
                 <a:defRPr/>
               </a:pPr>
-              <a:t>2/16/2019</a:t>
+              <a:t>2/19/2019</a:t>
             </a:fld>
             <a:endParaRPr lang="en-US"/>
           </a:p>
@@ -2275,7 +2286,7 @@
               <a:pPr>
                 <a:defRPr/>
               </a:pPr>
-              <a:t>2/16/2019</a:t>
+              <a:t>2/19/2019</a:t>
             </a:fld>
             <a:endParaRPr lang="en-US"/>
           </a:p>
@@ -2579,7 +2590,7 @@
               <a:pPr>
                 <a:defRPr/>
               </a:pPr>
-              <a:t>2/16/2019</a:t>
+              <a:t>2/19/2019</a:t>
             </a:fld>
             <a:endParaRPr lang="en-US"/>
           </a:p>
@@ -2866,7 +2877,7 @@
               <a:pPr>
                 <a:defRPr/>
               </a:pPr>
-              <a:t>2/16/2019</a:t>
+              <a:t>2/19/2019</a:t>
             </a:fld>
             <a:endParaRPr lang="en-US"/>
           </a:p>
@@ -3166,7 +3177,7 @@
               <a:pPr>
                 <a:defRPr/>
               </a:pPr>
-              <a:t>2/16/2019</a:t>
+              <a:t>2/19/2019</a:t>
             </a:fld>
             <a:endParaRPr lang="en-US"/>
           </a:p>
@@ -3752,11 +3763,7 @@
           <a:p>
             <a:r>
               <a:rPr lang="en-US" dirty="0" smtClean="0"/>
-              <a:t>Grand Valley State University &amp; </a:t>
-            </a:r>
-            <a:r>
-              <a:rPr lang="en-US" dirty="0" smtClean="0"/>
-              <a:t>GHSP</a:t>
+              <a:t>Grand Valley State University &amp; GHSP</a:t>
             </a:r>
             <a:endParaRPr lang="en-US" dirty="0"/>
           </a:p>
@@ -4012,16 +4019,16 @@
             </a:r>
           </a:p>
           <a:p>
-            <a:pPr lvl="1"/>
-            <a:r>
-              <a:rPr lang="en-US" sz="2400" dirty="0" smtClean="0"/>
-              <a:t>Selection process</a:t>
-            </a:r>
-          </a:p>
-          <a:p>
-            <a:r>
-              <a:rPr lang="en-US" sz="2400" dirty="0" smtClean="0"/>
-              <a:t>Iterative design</a:t>
+            <a:endParaRPr lang="en-US" sz="2400" dirty="0" smtClean="0"/>
+          </a:p>
+          <a:p>
+            <a:r>
+              <a:rPr lang="en-US" sz="2400" dirty="0" smtClean="0"/>
+              <a:t>Iterative </a:t>
+            </a:r>
+            <a:r>
+              <a:rPr lang="en-US" sz="2400" dirty="0" smtClean="0"/>
+              <a:t>design</a:t>
             </a:r>
           </a:p>
           <a:p>
@@ -4346,16 +4353,16 @@
             </a:r>
           </a:p>
           <a:p>
-            <a:pPr lvl="1"/>
-            <a:r>
-              <a:rPr lang="en-US" sz="2400" dirty="0" smtClean="0"/>
-              <a:t>Selection process</a:t>
-            </a:r>
-          </a:p>
-          <a:p>
-            <a:r>
-              <a:rPr lang="en-US" sz="2400" dirty="0" smtClean="0"/>
-              <a:t>Iterative design</a:t>
+            <a:endParaRPr lang="en-US" sz="2400" dirty="0" smtClean="0"/>
+          </a:p>
+          <a:p>
+            <a:r>
+              <a:rPr lang="en-US" sz="2400" dirty="0" smtClean="0"/>
+              <a:t>Iterative </a:t>
+            </a:r>
+            <a:r>
+              <a:rPr lang="en-US" sz="2400" dirty="0" smtClean="0"/>
+              <a:t>design</a:t>
             </a:r>
           </a:p>
           <a:p>
@@ -4729,16 +4736,16 @@
             </a:r>
           </a:p>
           <a:p>
-            <a:pPr lvl="1"/>
-            <a:r>
-              <a:rPr lang="en-US" sz="2400" dirty="0" smtClean="0"/>
-              <a:t>Selection process</a:t>
-            </a:r>
-          </a:p>
-          <a:p>
-            <a:r>
-              <a:rPr lang="en-US" sz="2400" dirty="0" smtClean="0"/>
-              <a:t>Iterative design</a:t>
+            <a:endParaRPr lang="en-US" sz="2400" dirty="0" smtClean="0"/>
+          </a:p>
+          <a:p>
+            <a:r>
+              <a:rPr lang="en-US" sz="2400" dirty="0" smtClean="0"/>
+              <a:t>Iterative </a:t>
+            </a:r>
+            <a:r>
+              <a:rPr lang="en-US" sz="2400" dirty="0" smtClean="0"/>
+              <a:t>design</a:t>
             </a:r>
           </a:p>
           <a:p>
@@ -4845,198 +4852,62 @@
             <p:ph type="title"/>
           </p:nvPr>
         </p:nvSpPr>
+        <p:spPr/>
+        <p:txBody>
+          <a:bodyPr/>
+          <a:lstStyle/>
+          <a:p>
+            <a:r>
+              <a:rPr lang="en-US" dirty="0" smtClean="0"/>
+              <a:t>Organic Rankine cycle</a:t>
+            </a:r>
+            <a:endParaRPr lang="en-US" dirty="0"/>
+          </a:p>
+        </p:txBody>
+      </p:sp>
+      <p:sp>
+        <p:nvSpPr>
+          <p:cNvPr id="4" name="TextBox 3"/>
+          <p:cNvSpPr txBox="1"/>
+          <p:nvPr/>
+        </p:nvSpPr>
         <p:spPr>
           <a:xfrm>
-            <a:off x="457200" y="0"/>
-            <a:ext cx="8229600" cy="838200"/>
+            <a:off x="685800" y="1447800"/>
+            <a:ext cx="7772400" cy="2308324"/>
           </a:xfrm>
+          <a:prstGeom prst="rect">
+            <a:avLst/>
+          </a:prstGeom>
+          <a:noFill/>
         </p:spPr>
         <p:txBody>
-          <a:bodyPr/>
+          <a:bodyPr wrap="square" rtlCol="0">
+            <a:spAutoFit/>
+          </a:bodyPr>
           <a:lstStyle/>
           <a:p>
             <a:r>
               <a:rPr lang="en-US" dirty="0" smtClean="0"/>
-              <a:t>Outline</a:t>
-            </a:r>
+              <a:t>The organic Rankine cycle is the same exact cycle in practice. The only difference is the working fluid. In the organic Rankine cycle working fluids with low phase transition temperatures, such as hydrocarbons and refrigerants, are chose. The are “organic molecules.” </a:t>
+            </a:r>
+          </a:p>
+          <a:p>
             <a:endParaRPr lang="en-US" dirty="0"/>
           </a:p>
-        </p:txBody>
-      </p:sp>
-      <p:sp>
-        <p:nvSpPr>
-          <p:cNvPr id="3" name="Content Placeholder 2"/>
-          <p:cNvSpPr>
-            <a:spLocks noGrp="1"/>
-          </p:cNvSpPr>
-          <p:nvPr>
-            <p:ph idx="1"/>
-          </p:nvPr>
-        </p:nvSpPr>
-        <p:spPr>
-          <a:xfrm>
-            <a:off x="533400" y="838200"/>
-            <a:ext cx="8229600" cy="5791200"/>
-          </a:xfrm>
-        </p:spPr>
-        <p:txBody>
-          <a:bodyPr numCol="2"/>
-          <a:lstStyle/>
-          <a:p>
-            <a:r>
-              <a:rPr lang="en-US" sz="2400" dirty="0" smtClean="0"/>
-              <a:t>Waste heat recovery</a:t>
-            </a:r>
-          </a:p>
-          <a:p>
-            <a:pPr lvl="1"/>
-            <a:r>
-              <a:rPr lang="en-US" sz="2400" dirty="0" smtClean="0"/>
-              <a:t>Sources</a:t>
-            </a:r>
-          </a:p>
-          <a:p>
-            <a:pPr lvl="1"/>
-            <a:r>
-              <a:rPr lang="en-US" sz="2400" dirty="0" smtClean="0"/>
-              <a:t>Recovery techniques</a:t>
-            </a:r>
-          </a:p>
-          <a:p>
-            <a:pPr lvl="1"/>
-            <a:r>
-              <a:rPr lang="en-US" sz="2400" dirty="0" smtClean="0"/>
-              <a:t>Technical hurdles</a:t>
-            </a:r>
-          </a:p>
-          <a:p>
-            <a:r>
-              <a:rPr lang="en-US" sz="2400" b="1" dirty="0" smtClean="0"/>
-              <a:t>Thermodynamic cycles</a:t>
-            </a:r>
-          </a:p>
-          <a:p>
-            <a:pPr lvl="1"/>
-            <a:r>
-              <a:rPr lang="en-US" sz="2400" dirty="0" smtClean="0"/>
-              <a:t>Rankine cycle</a:t>
-            </a:r>
-          </a:p>
-          <a:p>
-            <a:pPr lvl="1"/>
-            <a:r>
-              <a:rPr lang="en-US" sz="2400" dirty="0" smtClean="0"/>
-              <a:t>Organic Rankine cycle</a:t>
-            </a:r>
-          </a:p>
-          <a:p>
-            <a:pPr lvl="1"/>
-            <a:r>
-              <a:rPr lang="en-US" sz="2400" b="1" dirty="0" smtClean="0"/>
-              <a:t>Kalina cycle</a:t>
-            </a:r>
-          </a:p>
-          <a:p>
-            <a:r>
-              <a:rPr lang="en-US" sz="2400" dirty="0" smtClean="0"/>
-              <a:t>Automotive application</a:t>
-            </a:r>
-          </a:p>
-          <a:p>
-            <a:pPr lvl="1"/>
-            <a:r>
-              <a:rPr lang="en-US" sz="2400" dirty="0" smtClean="0"/>
-              <a:t>Special design considerations</a:t>
-            </a:r>
-          </a:p>
-          <a:p>
-            <a:pPr lvl="1"/>
-            <a:r>
-              <a:rPr lang="en-US" sz="2400" dirty="0" smtClean="0"/>
-              <a:t>Heat sources</a:t>
-            </a:r>
-          </a:p>
-          <a:p>
-            <a:pPr lvl="1"/>
-            <a:r>
-              <a:rPr lang="en-US" sz="2400" dirty="0" smtClean="0"/>
-              <a:t>Selection process</a:t>
-            </a:r>
-          </a:p>
-          <a:p>
-            <a:r>
-              <a:rPr lang="en-US" sz="2400" dirty="0" smtClean="0"/>
-              <a:t>Iterative design</a:t>
-            </a:r>
-          </a:p>
-          <a:p>
-            <a:pPr lvl="1"/>
-            <a:r>
-              <a:rPr lang="en-US" sz="2400" dirty="0" smtClean="0"/>
-              <a:t>Cycle parameters</a:t>
-            </a:r>
-          </a:p>
-          <a:p>
-            <a:pPr lvl="1"/>
-            <a:r>
-              <a:rPr lang="en-US" sz="2400" dirty="0" smtClean="0"/>
-              <a:t>Design space</a:t>
-            </a:r>
-          </a:p>
-          <a:p>
-            <a:pPr lvl="1"/>
-            <a:r>
-              <a:rPr lang="en-US" sz="2400" dirty="0" smtClean="0"/>
-              <a:t>Mathematical modelling</a:t>
-            </a:r>
-          </a:p>
-          <a:p>
-            <a:pPr lvl="1"/>
-            <a:r>
-              <a:rPr lang="en-US" sz="2400" dirty="0" smtClean="0"/>
-              <a:t>Optimization</a:t>
-            </a:r>
-          </a:p>
-          <a:p>
-            <a:r>
-              <a:rPr lang="en-US" sz="2400" dirty="0" smtClean="0"/>
-              <a:t>Results</a:t>
-            </a:r>
-          </a:p>
-          <a:p>
-            <a:pPr lvl="1"/>
-            <a:r>
-              <a:rPr lang="en-US" sz="2400" dirty="0" smtClean="0"/>
-              <a:t>Design specifications</a:t>
-            </a:r>
-          </a:p>
-          <a:p>
-            <a:pPr lvl="1"/>
-            <a:r>
-              <a:rPr lang="en-US" sz="2400" dirty="0" smtClean="0"/>
-              <a:t>Assumptions</a:t>
-            </a:r>
-          </a:p>
-          <a:p>
-            <a:pPr lvl="1"/>
-            <a:r>
-              <a:rPr lang="en-US" sz="2400" dirty="0" smtClean="0"/>
-              <a:t>Discussion</a:t>
-            </a:r>
-          </a:p>
-          <a:p>
-            <a:pPr lvl="1"/>
-            <a:r>
-              <a:rPr lang="en-US" sz="2400" dirty="0" smtClean="0"/>
-              <a:t>Conclusion</a:t>
-            </a:r>
+          <a:p>
+            <a:r>
+              <a:rPr lang="en-US" dirty="0" smtClean="0"/>
+              <a:t>Organic molecules are those usually found in living systems. Organic molecules are usually composed of carbon atoms in rings or long chains, to which are attached other atoms of such elements as hydrogen, oxygen, and nitrogen.</a:t>
+            </a:r>
+            <a:endParaRPr lang="en-US" dirty="0"/>
           </a:p>
         </p:txBody>
       </p:sp>
     </p:spTree>
     <p:extLst>
       <p:ext uri="{BB962C8B-B14F-4D97-AF65-F5344CB8AC3E}">
-        <p14:creationId xmlns:p14="http://schemas.microsoft.com/office/powerpoint/2010/main" val="2149395146"/>
+        <p14:creationId xmlns:p14="http://schemas.microsoft.com/office/powerpoint/2010/main" val="4036500036"/>
       </p:ext>
     </p:extLst>
   </p:cSld>
@@ -5139,7 +5010,7 @@
           </a:p>
           <a:p>
             <a:r>
-              <a:rPr lang="en-US" sz="2400" dirty="0" smtClean="0"/>
+              <a:rPr lang="en-US" sz="2400" b="1" dirty="0" smtClean="0"/>
               <a:t>Thermodynamic cycles</a:t>
             </a:r>
           </a:p>
@@ -5160,25 +5031,21 @@
           <a:p>
             <a:pPr lvl="1"/>
             <a:r>
-              <a:rPr lang="en-US" sz="2400" dirty="0" smtClean="0"/>
+              <a:rPr lang="en-US" sz="2400" b="1" dirty="0" smtClean="0"/>
               <a:t>Kalina cycle</a:t>
             </a:r>
           </a:p>
           <a:p>
             <a:r>
-              <a:rPr lang="en-US" sz="2400" b="1" dirty="0" smtClean="0"/>
+              <a:rPr lang="en-US" sz="2400" dirty="0" smtClean="0"/>
               <a:t>Automotive application</a:t>
             </a:r>
           </a:p>
           <a:p>
             <a:pPr lvl="1"/>
             <a:r>
-              <a:rPr lang="en-US" sz="2400" b="1" dirty="0" smtClean="0"/>
-              <a:t>Special design </a:t>
-            </a:r>
-            <a:r>
-              <a:rPr lang="en-US" sz="2400" dirty="0" smtClean="0"/>
-              <a:t>considerations</a:t>
+              <a:rPr lang="en-US" sz="2400" dirty="0" smtClean="0"/>
+              <a:t>Special design considerations</a:t>
             </a:r>
           </a:p>
           <a:p>
@@ -5189,16 +5056,16 @@
             </a:r>
           </a:p>
           <a:p>
-            <a:pPr lvl="1"/>
-            <a:r>
-              <a:rPr lang="en-US" sz="2400" dirty="0" smtClean="0"/>
-              <a:t>Selection process</a:t>
-            </a:r>
-          </a:p>
-          <a:p>
-            <a:r>
-              <a:rPr lang="en-US" sz="2400" dirty="0" smtClean="0"/>
-              <a:t>Iterative design</a:t>
+            <a:endParaRPr lang="en-US" sz="2400" dirty="0" smtClean="0"/>
+          </a:p>
+          <a:p>
+            <a:r>
+              <a:rPr lang="en-US" sz="2400" dirty="0" smtClean="0"/>
+              <a:t>Iterative </a:t>
+            </a:r>
+            <a:r>
+              <a:rPr lang="en-US" sz="2400" dirty="0" smtClean="0"/>
+              <a:t>design</a:t>
             </a:r>
           </a:p>
           <a:p>
@@ -5305,198 +5172,62 @@
             <p:ph type="title"/>
           </p:nvPr>
         </p:nvSpPr>
+        <p:spPr/>
+        <p:txBody>
+          <a:bodyPr/>
+          <a:lstStyle/>
+          <a:p>
+            <a:r>
+              <a:rPr lang="en-US" dirty="0" smtClean="0"/>
+              <a:t>The Kalina cycle</a:t>
+            </a:r>
+            <a:endParaRPr lang="en-US" dirty="0"/>
+          </a:p>
+        </p:txBody>
+      </p:sp>
+      <p:sp>
+        <p:nvSpPr>
+          <p:cNvPr id="4" name="TextBox 3"/>
+          <p:cNvSpPr txBox="1"/>
+          <p:nvPr/>
+        </p:nvSpPr>
         <p:spPr>
           <a:xfrm>
-            <a:off x="457200" y="0"/>
-            <a:ext cx="8229600" cy="838200"/>
+            <a:off x="685800" y="1447800"/>
+            <a:ext cx="7772400" cy="2585323"/>
           </a:xfrm>
+          <a:prstGeom prst="rect">
+            <a:avLst/>
+          </a:prstGeom>
+          <a:noFill/>
         </p:spPr>
         <p:txBody>
-          <a:bodyPr/>
+          <a:bodyPr wrap="square" rtlCol="0">
+            <a:spAutoFit/>
+          </a:bodyPr>
           <a:lstStyle/>
           <a:p>
             <a:r>
               <a:rPr lang="en-US" dirty="0" smtClean="0"/>
-              <a:t>Outline</a:t>
-            </a:r>
+              <a:t>The Kalina cycle is also a Rankine cycle. The innovation of the Kalina cycle is its use of a non-azeotropic working fluid. That is, the working fluid is a composition of multiple fluids such that it has a variable phase transition temperature. This allows the cycle to closely match the appropriate phase transition temperature to the heat source available.</a:t>
+            </a:r>
+          </a:p>
+          <a:p>
             <a:endParaRPr lang="en-US" dirty="0"/>
           </a:p>
-        </p:txBody>
-      </p:sp>
-      <p:sp>
-        <p:nvSpPr>
-          <p:cNvPr id="3" name="Content Placeholder 2"/>
-          <p:cNvSpPr>
-            <a:spLocks noGrp="1"/>
-          </p:cNvSpPr>
-          <p:nvPr>
-            <p:ph idx="1"/>
-          </p:nvPr>
-        </p:nvSpPr>
-        <p:spPr>
-          <a:xfrm>
-            <a:off x="533400" y="838200"/>
-            <a:ext cx="8229600" cy="5791200"/>
-          </a:xfrm>
-        </p:spPr>
-        <p:txBody>
-          <a:bodyPr numCol="2"/>
-          <a:lstStyle/>
-          <a:p>
-            <a:r>
-              <a:rPr lang="en-US" sz="2400" dirty="0" smtClean="0"/>
-              <a:t>Waste heat recovery</a:t>
-            </a:r>
-          </a:p>
-          <a:p>
-            <a:pPr lvl="1"/>
-            <a:r>
-              <a:rPr lang="en-US" sz="2400" dirty="0" smtClean="0"/>
-              <a:t>Sources</a:t>
-            </a:r>
-          </a:p>
-          <a:p>
-            <a:pPr lvl="1"/>
-            <a:r>
-              <a:rPr lang="en-US" sz="2400" dirty="0" smtClean="0"/>
-              <a:t>Recovery techniques</a:t>
-            </a:r>
-          </a:p>
-          <a:p>
-            <a:pPr lvl="1"/>
-            <a:r>
-              <a:rPr lang="en-US" sz="2400" dirty="0" smtClean="0"/>
-              <a:t>Technical hurdles</a:t>
-            </a:r>
-          </a:p>
-          <a:p>
-            <a:r>
-              <a:rPr lang="en-US" sz="2400" dirty="0" smtClean="0"/>
-              <a:t>Thermodynamic cycles</a:t>
-            </a:r>
-          </a:p>
-          <a:p>
-            <a:pPr lvl="1"/>
-            <a:r>
-              <a:rPr lang="en-US" sz="2400" dirty="0" smtClean="0"/>
-              <a:t>Rankine cycle</a:t>
-            </a:r>
-          </a:p>
-          <a:p>
-            <a:pPr lvl="1"/>
-            <a:r>
-              <a:rPr lang="en-US" sz="2400" dirty="0" smtClean="0"/>
-              <a:t>Organic Rankine cycle</a:t>
-            </a:r>
-          </a:p>
-          <a:p>
-            <a:pPr lvl="1"/>
-            <a:r>
-              <a:rPr lang="en-US" sz="2400" dirty="0" smtClean="0"/>
-              <a:t>Kalina cycle</a:t>
-            </a:r>
-          </a:p>
-          <a:p>
-            <a:r>
-              <a:rPr lang="en-US" sz="2400" b="1" dirty="0" smtClean="0"/>
-              <a:t>Automotive application</a:t>
-            </a:r>
-          </a:p>
-          <a:p>
-            <a:pPr lvl="1"/>
-            <a:r>
-              <a:rPr lang="en-US" sz="2400" dirty="0" smtClean="0"/>
-              <a:t>Special design considerations</a:t>
-            </a:r>
-          </a:p>
-          <a:p>
-            <a:pPr lvl="1"/>
-            <a:r>
-              <a:rPr lang="en-US" sz="2400" b="1" dirty="0" smtClean="0"/>
-              <a:t>Heat sources</a:t>
-            </a:r>
-          </a:p>
-          <a:p>
-            <a:pPr lvl="1"/>
-            <a:r>
-              <a:rPr lang="en-US" sz="2400" dirty="0" smtClean="0"/>
-              <a:t>Selection process</a:t>
-            </a:r>
-          </a:p>
-          <a:p>
-            <a:r>
-              <a:rPr lang="en-US" sz="2400" dirty="0" smtClean="0"/>
-              <a:t>Iterative design</a:t>
-            </a:r>
-          </a:p>
-          <a:p>
-            <a:pPr lvl="1"/>
-            <a:r>
-              <a:rPr lang="en-US" sz="2400" dirty="0" smtClean="0"/>
-              <a:t>Cycle parameters</a:t>
-            </a:r>
-          </a:p>
-          <a:p>
-            <a:pPr lvl="1"/>
-            <a:r>
-              <a:rPr lang="en-US" sz="2400" dirty="0" smtClean="0"/>
-              <a:t>Design space</a:t>
-            </a:r>
-          </a:p>
-          <a:p>
-            <a:pPr lvl="1"/>
-            <a:r>
-              <a:rPr lang="en-US" sz="2400" dirty="0" smtClean="0"/>
-              <a:t>Mathematical modelling</a:t>
-            </a:r>
-          </a:p>
-          <a:p>
-            <a:pPr lvl="1"/>
-            <a:r>
-              <a:rPr lang="en-US" sz="2400" dirty="0" smtClean="0"/>
-              <a:t>Optimization</a:t>
-            </a:r>
-          </a:p>
-          <a:p>
-            <a:r>
-              <a:rPr lang="en-US" sz="2400" dirty="0" smtClean="0"/>
-              <a:t>Results</a:t>
-            </a:r>
-          </a:p>
-          <a:p>
-            <a:pPr lvl="1"/>
-            <a:r>
-              <a:rPr lang="en-US" sz="2400" dirty="0" smtClean="0"/>
-              <a:t>Design specifications</a:t>
-            </a:r>
-          </a:p>
-          <a:p>
-            <a:pPr lvl="1"/>
-            <a:r>
-              <a:rPr lang="en-US" sz="2400" dirty="0" smtClean="0"/>
-              <a:t>Assumptions</a:t>
-            </a:r>
-          </a:p>
-          <a:p>
-            <a:pPr lvl="1"/>
-            <a:r>
-              <a:rPr lang="en-US" sz="2400" dirty="0" smtClean="0"/>
-              <a:t>Discussion</a:t>
-            </a:r>
-          </a:p>
-          <a:p>
-            <a:pPr lvl="1"/>
-            <a:r>
-              <a:rPr lang="en-US" sz="2400" dirty="0" smtClean="0"/>
-              <a:t>Conclusion</a:t>
-            </a:r>
+          <a:p>
+            <a:r>
+              <a:rPr lang="en-US" dirty="0" smtClean="0"/>
+              <a:t>The Kalina cycle is much more technically complex in implementation than the organic Rankine cycle, and requires higher working temperatures which make it less suitable for an automotive application.</a:t>
+            </a:r>
+            <a:endParaRPr lang="en-US" dirty="0"/>
           </a:p>
         </p:txBody>
       </p:sp>
     </p:spTree>
     <p:extLst>
       <p:ext uri="{BB962C8B-B14F-4D97-AF65-F5344CB8AC3E}">
-        <p14:creationId xmlns:p14="http://schemas.microsoft.com/office/powerpoint/2010/main" val="2149395146"/>
+        <p14:creationId xmlns:p14="http://schemas.microsoft.com/office/powerpoint/2010/main" val="537951593"/>
       </p:ext>
     </p:extLst>
   </p:cSld>
@@ -5633,7 +5364,7 @@
           <a:p>
             <a:pPr lvl="1"/>
             <a:r>
-              <a:rPr lang="en-US" sz="2400" dirty="0" smtClean="0"/>
+              <a:rPr lang="en-US" sz="2400" b="1" dirty="0" smtClean="0"/>
               <a:t>Special design considerations</a:t>
             </a:r>
           </a:p>
@@ -5645,16 +5376,16 @@
             </a:r>
           </a:p>
           <a:p>
-            <a:pPr lvl="1"/>
-            <a:r>
-              <a:rPr lang="en-US" sz="2400" b="1" dirty="0" smtClean="0"/>
-              <a:t>Selection process</a:t>
-            </a:r>
-          </a:p>
-          <a:p>
-            <a:r>
-              <a:rPr lang="en-US" sz="2400" dirty="0" smtClean="0"/>
-              <a:t>Iterative design</a:t>
+            <a:endParaRPr lang="en-US" sz="2400" dirty="0" smtClean="0"/>
+          </a:p>
+          <a:p>
+            <a:r>
+              <a:rPr lang="en-US" sz="2400" dirty="0" smtClean="0"/>
+              <a:t>Iterative </a:t>
+            </a:r>
+            <a:r>
+              <a:rPr lang="en-US" sz="2400" dirty="0" smtClean="0"/>
+              <a:t>design</a:t>
             </a:r>
           </a:p>
           <a:p>
@@ -5873,11 +5604,10 @@
             </a:r>
           </a:p>
           <a:p>
-            <a:pPr lvl="1"/>
-            <a:r>
-              <a:rPr lang="en-US" sz="2400" dirty="0" smtClean="0"/>
-              <a:t>Selection process</a:t>
-            </a:r>
+            <a:pPr marL="457200" lvl="1" indent="0">
+              <a:buNone/>
+            </a:pPr>
+            <a:endParaRPr lang="en-US" sz="2400" dirty="0" smtClean="0"/>
           </a:p>
           <a:p>
             <a:r>
@@ -5989,10 +5719,33 @@
             <p:ph type="title"/>
           </p:nvPr>
         </p:nvSpPr>
+        <p:spPr/>
+        <p:txBody>
+          <a:bodyPr/>
+          <a:lstStyle/>
+          <a:p>
+            <a:r>
+              <a:rPr lang="en-US" dirty="0" smtClean="0"/>
+              <a:t>Automotive application design considerations</a:t>
+            </a:r>
+            <a:endParaRPr lang="en-US" dirty="0"/>
+          </a:p>
+        </p:txBody>
+      </p:sp>
+      <p:sp>
+        <p:nvSpPr>
+          <p:cNvPr id="3" name="Content Placeholder 2"/>
+          <p:cNvSpPr>
+            <a:spLocks noGrp="1"/>
+          </p:cNvSpPr>
+          <p:nvPr>
+            <p:ph idx="1"/>
+          </p:nvPr>
+        </p:nvSpPr>
         <p:spPr>
           <a:xfrm>
-            <a:off x="457200" y="0"/>
-            <a:ext cx="8229600" cy="838200"/>
+            <a:off x="457200" y="1600201"/>
+            <a:ext cx="8229600" cy="1828800"/>
           </a:xfrm>
         </p:spPr>
         <p:txBody>
@@ -6001,186 +5754,32 @@
           <a:p>
             <a:r>
               <a:rPr lang="en-US" dirty="0" smtClean="0"/>
-              <a:t>Outline</a:t>
-            </a:r>
+              <a:t>Limited package space</a:t>
+            </a:r>
+          </a:p>
+          <a:p>
+            <a:r>
+              <a:rPr lang="en-US" dirty="0" smtClean="0"/>
+              <a:t>Narrow range of waste heat temperature availability (~100</a:t>
+            </a:r>
+            <a:r>
+              <a:rPr lang="en-US" baseline="30000" dirty="0" smtClean="0"/>
+              <a:t>o</a:t>
+            </a:r>
+            <a:r>
+              <a:rPr lang="en-US" dirty="0" smtClean="0"/>
+              <a:t>C)</a:t>
+            </a:r>
+          </a:p>
+          <a:p>
             <a:endParaRPr lang="en-US" dirty="0"/>
-          </a:p>
-        </p:txBody>
-      </p:sp>
-      <p:sp>
-        <p:nvSpPr>
-          <p:cNvPr id="3" name="Content Placeholder 2"/>
-          <p:cNvSpPr>
-            <a:spLocks noGrp="1"/>
-          </p:cNvSpPr>
-          <p:nvPr>
-            <p:ph idx="1"/>
-          </p:nvPr>
-        </p:nvSpPr>
-        <p:spPr>
-          <a:xfrm>
-            <a:off x="533400" y="838200"/>
-            <a:ext cx="8229600" cy="5791200"/>
-          </a:xfrm>
-        </p:spPr>
-        <p:txBody>
-          <a:bodyPr numCol="2"/>
-          <a:lstStyle/>
-          <a:p>
-            <a:r>
-              <a:rPr lang="en-US" sz="2400" dirty="0" smtClean="0"/>
-              <a:t>Waste heat recovery</a:t>
-            </a:r>
-          </a:p>
-          <a:p>
-            <a:pPr lvl="1"/>
-            <a:r>
-              <a:rPr lang="en-US" sz="2400" dirty="0" smtClean="0"/>
-              <a:t>Sources</a:t>
-            </a:r>
-          </a:p>
-          <a:p>
-            <a:pPr lvl="1"/>
-            <a:r>
-              <a:rPr lang="en-US" sz="2400" dirty="0" smtClean="0"/>
-              <a:t>Recovery techniques</a:t>
-            </a:r>
-          </a:p>
-          <a:p>
-            <a:pPr lvl="1"/>
-            <a:r>
-              <a:rPr lang="en-US" sz="2400" dirty="0" smtClean="0"/>
-              <a:t>Technical hurdles</a:t>
-            </a:r>
-          </a:p>
-          <a:p>
-            <a:r>
-              <a:rPr lang="en-US" sz="2400" dirty="0" smtClean="0"/>
-              <a:t>Thermodynamic cycles</a:t>
-            </a:r>
-          </a:p>
-          <a:p>
-            <a:pPr lvl="1"/>
-            <a:r>
-              <a:rPr lang="en-US" sz="2400" dirty="0" smtClean="0"/>
-              <a:t>Rankine cycle</a:t>
-            </a:r>
-          </a:p>
-          <a:p>
-            <a:pPr lvl="1"/>
-            <a:r>
-              <a:rPr lang="en-US" sz="2400" dirty="0" smtClean="0"/>
-              <a:t>Organic Rankine cycle</a:t>
-            </a:r>
-          </a:p>
-          <a:p>
-            <a:pPr lvl="1"/>
-            <a:r>
-              <a:rPr lang="en-US" sz="2400" dirty="0" smtClean="0"/>
-              <a:t>Kalina cycle</a:t>
-            </a:r>
-          </a:p>
-          <a:p>
-            <a:r>
-              <a:rPr lang="en-US" sz="2400" dirty="0" smtClean="0"/>
-              <a:t>Automotive application</a:t>
-            </a:r>
-          </a:p>
-          <a:p>
-            <a:pPr lvl="1"/>
-            <a:r>
-              <a:rPr lang="en-US" sz="2400" dirty="0" smtClean="0"/>
-              <a:t>Special design considerations</a:t>
-            </a:r>
-          </a:p>
-          <a:p>
-            <a:pPr lvl="1"/>
-            <a:r>
-              <a:rPr lang="en-US" sz="2400" dirty="0" smtClean="0"/>
-              <a:t>Heat sources</a:t>
-            </a:r>
-          </a:p>
-          <a:p>
-            <a:pPr lvl="1"/>
-            <a:r>
-              <a:rPr lang="en-US" sz="2400" dirty="0" smtClean="0"/>
-              <a:t>Selection process</a:t>
-            </a:r>
-          </a:p>
-          <a:p>
-            <a:r>
-              <a:rPr lang="en-US" sz="2400" b="1" dirty="0" smtClean="0"/>
-              <a:t>Iterative design</a:t>
-            </a:r>
-          </a:p>
-          <a:p>
-            <a:pPr lvl="1"/>
-            <a:r>
-              <a:rPr lang="en-US" sz="2400" b="1" dirty="0" smtClean="0"/>
-              <a:t>Cycle parameters</a:t>
-            </a:r>
-          </a:p>
-          <a:p>
-            <a:pPr lvl="1"/>
-            <a:r>
-              <a:rPr lang="en-US" sz="2400" dirty="0" smtClean="0"/>
-              <a:t>Design space</a:t>
-            </a:r>
-          </a:p>
-          <a:p>
-            <a:pPr lvl="1"/>
-            <a:r>
-              <a:rPr lang="en-US" sz="2400" dirty="0" smtClean="0"/>
-              <a:t>Mathematical modelling</a:t>
-            </a:r>
-          </a:p>
-          <a:p>
-            <a:pPr lvl="1"/>
-            <a:r>
-              <a:rPr lang="en-US" sz="2400" dirty="0" smtClean="0"/>
-              <a:t>Optimization</a:t>
-            </a:r>
-          </a:p>
-          <a:p>
-            <a:r>
-              <a:rPr lang="en-US" sz="2400" dirty="0" smtClean="0"/>
-              <a:t>Results</a:t>
-            </a:r>
-          </a:p>
-          <a:p>
-            <a:pPr lvl="1"/>
-            <a:r>
-              <a:rPr lang="en-US" sz="2400" dirty="0" smtClean="0"/>
-              <a:t>Design specifications</a:t>
-            </a:r>
-          </a:p>
-          <a:p>
-            <a:pPr lvl="1"/>
-            <a:r>
-              <a:rPr lang="en-US" sz="2400" dirty="0" smtClean="0"/>
-              <a:t>Assumptions</a:t>
-            </a:r>
-          </a:p>
-          <a:p>
-            <a:pPr lvl="1"/>
-            <a:r>
-              <a:rPr lang="en-US" sz="2400" dirty="0" smtClean="0"/>
-              <a:t>Discussion</a:t>
-            </a:r>
-          </a:p>
-          <a:p>
-            <a:pPr lvl="1"/>
-            <a:r>
-              <a:rPr lang="en-US" sz="2400" dirty="0" smtClean="0"/>
-              <a:t>Conclusion</a:t>
-            </a:r>
           </a:p>
         </p:txBody>
       </p:sp>
     </p:spTree>
     <p:extLst>
       <p:ext uri="{BB962C8B-B14F-4D97-AF65-F5344CB8AC3E}">
-        <p14:creationId xmlns:p14="http://schemas.microsoft.com/office/powerpoint/2010/main" val="2149395146"/>
+        <p14:creationId xmlns:p14="http://schemas.microsoft.com/office/powerpoint/2010/main" val="1282728653"/>
       </p:ext>
     </p:extLst>
   </p:cSld>
@@ -6310,7 +5909,7 @@
           </a:p>
           <a:p>
             <a:r>
-              <a:rPr lang="en-US" sz="2400" dirty="0" smtClean="0"/>
+              <a:rPr lang="en-US" sz="2400" b="1" dirty="0" smtClean="0"/>
               <a:t>Automotive application</a:t>
             </a:r>
           </a:p>
@@ -6324,21 +5923,21 @@
           <a:p>
             <a:pPr lvl="1"/>
             <a:r>
-              <a:rPr lang="en-US" sz="2400" dirty="0" smtClean="0"/>
+              <a:rPr lang="en-US" sz="2400" b="1" dirty="0" smtClean="0"/>
               <a:t>Heat sources</a:t>
             </a:r>
           </a:p>
           <a:p>
-            <a:pPr lvl="1"/>
-            <a:r>
-              <a:rPr lang="en-US" sz="2400" dirty="0" smtClean="0"/>
-              <a:t>Selection process</a:t>
-            </a:r>
-          </a:p>
-          <a:p>
-            <a:r>
-              <a:rPr lang="en-US" sz="2400" b="1" dirty="0" smtClean="0"/>
-              <a:t>Iterative design</a:t>
+            <a:endParaRPr lang="en-US" sz="2400" dirty="0" smtClean="0"/>
+          </a:p>
+          <a:p>
+            <a:r>
+              <a:rPr lang="en-US" sz="2400" dirty="0" smtClean="0"/>
+              <a:t>Iterative </a:t>
+            </a:r>
+            <a:r>
+              <a:rPr lang="en-US" sz="2400" dirty="0" smtClean="0"/>
+              <a:t>design</a:t>
             </a:r>
           </a:p>
           <a:p>
@@ -6351,7 +5950,7 @@
           <a:p>
             <a:pPr lvl="1"/>
             <a:r>
-              <a:rPr lang="en-US" sz="2400" b="1" dirty="0" smtClean="0"/>
+              <a:rPr lang="en-US" sz="2400" dirty="0" smtClean="0"/>
               <a:t>Design space</a:t>
             </a:r>
           </a:p>
@@ -6445,10 +6044,33 @@
             <p:ph type="title"/>
           </p:nvPr>
         </p:nvSpPr>
+        <p:spPr/>
+        <p:txBody>
+          <a:bodyPr/>
+          <a:lstStyle/>
+          <a:p>
+            <a:r>
+              <a:rPr lang="en-US" dirty="0" smtClean="0"/>
+              <a:t>Automotive heat sources</a:t>
+            </a:r>
+            <a:endParaRPr lang="en-US" dirty="0"/>
+          </a:p>
+        </p:txBody>
+      </p:sp>
+      <p:sp>
+        <p:nvSpPr>
+          <p:cNvPr id="3" name="Content Placeholder 2"/>
+          <p:cNvSpPr>
+            <a:spLocks noGrp="1"/>
+          </p:cNvSpPr>
+          <p:nvPr>
+            <p:ph idx="1"/>
+          </p:nvPr>
+        </p:nvSpPr>
         <p:spPr>
           <a:xfrm>
-            <a:off x="457200" y="0"/>
-            <a:ext cx="8229600" cy="838200"/>
+            <a:off x="457200" y="1600201"/>
+            <a:ext cx="8229600" cy="1371600"/>
           </a:xfrm>
         </p:spPr>
         <p:txBody>
@@ -6457,186 +6079,63 @@
           <a:p>
             <a:r>
               <a:rPr lang="en-US" dirty="0" smtClean="0"/>
-              <a:t>Outline</a:t>
-            </a:r>
+              <a:t>Exhaust stream</a:t>
+            </a:r>
+          </a:p>
+          <a:p>
+            <a:r>
+              <a:rPr lang="en-US" dirty="0" smtClean="0"/>
+              <a:t>Coolant</a:t>
+            </a:r>
+          </a:p>
+          <a:p>
             <a:endParaRPr lang="en-US" dirty="0"/>
           </a:p>
         </p:txBody>
       </p:sp>
       <p:sp>
         <p:nvSpPr>
-          <p:cNvPr id="3" name="Content Placeholder 2"/>
-          <p:cNvSpPr>
-            <a:spLocks noGrp="1"/>
-          </p:cNvSpPr>
-          <p:nvPr>
-            <p:ph idx="1"/>
-          </p:nvPr>
+          <p:cNvPr id="4" name="TextBox 3"/>
+          <p:cNvSpPr txBox="1"/>
+          <p:nvPr/>
         </p:nvSpPr>
         <p:spPr>
           <a:xfrm>
-            <a:off x="533400" y="838200"/>
-            <a:ext cx="8229600" cy="5791200"/>
+            <a:off x="609600" y="2971800"/>
+            <a:ext cx="7848600" cy="3416320"/>
           </a:xfrm>
+          <a:prstGeom prst="rect">
+            <a:avLst/>
+          </a:prstGeom>
+          <a:noFill/>
         </p:spPr>
         <p:txBody>
-          <a:bodyPr numCol="2"/>
+          <a:bodyPr wrap="square" rtlCol="0">
+            <a:spAutoFit/>
+          </a:bodyPr>
           <a:lstStyle/>
           <a:p>
             <a:r>
-              <a:rPr lang="en-US" sz="2400" dirty="0" smtClean="0"/>
-              <a:t>Waste heat recovery</a:t>
-            </a:r>
-          </a:p>
-          <a:p>
-            <a:pPr lvl="1"/>
-            <a:r>
-              <a:rPr lang="en-US" sz="2400" dirty="0" smtClean="0"/>
-              <a:t>Sources</a:t>
-            </a:r>
-          </a:p>
-          <a:p>
-            <a:pPr lvl="1"/>
-            <a:r>
-              <a:rPr lang="en-US" sz="2400" dirty="0" smtClean="0"/>
-              <a:t>Recovery techniques</a:t>
-            </a:r>
-          </a:p>
-          <a:p>
-            <a:pPr lvl="1"/>
-            <a:r>
-              <a:rPr lang="en-US" sz="2400" dirty="0" smtClean="0"/>
-              <a:t>Technical hurdles</a:t>
-            </a:r>
-          </a:p>
-          <a:p>
-            <a:r>
-              <a:rPr lang="en-US" sz="2400" dirty="0" smtClean="0"/>
-              <a:t>Thermodynamic cycles</a:t>
-            </a:r>
-          </a:p>
-          <a:p>
-            <a:pPr lvl="1"/>
-            <a:r>
-              <a:rPr lang="en-US" sz="2400" dirty="0" smtClean="0"/>
-              <a:t>Rankine cycle</a:t>
-            </a:r>
-          </a:p>
-          <a:p>
-            <a:pPr lvl="1"/>
-            <a:r>
-              <a:rPr lang="en-US" sz="2400" dirty="0" smtClean="0"/>
-              <a:t>Organic Rankine cycle</a:t>
-            </a:r>
-          </a:p>
-          <a:p>
-            <a:pPr lvl="1"/>
-            <a:r>
-              <a:rPr lang="en-US" sz="2400" dirty="0" smtClean="0"/>
-              <a:t>Kalina cycle</a:t>
-            </a:r>
-          </a:p>
-          <a:p>
-            <a:r>
-              <a:rPr lang="en-US" sz="2400" dirty="0" smtClean="0"/>
-              <a:t>Automotive application</a:t>
-            </a:r>
-          </a:p>
-          <a:p>
-            <a:pPr lvl="1"/>
-            <a:r>
-              <a:rPr lang="en-US" sz="2400" dirty="0" smtClean="0"/>
-              <a:t>Special design considerations</a:t>
-            </a:r>
-          </a:p>
-          <a:p>
-            <a:pPr lvl="1"/>
-            <a:r>
-              <a:rPr lang="en-US" sz="2400" dirty="0" smtClean="0"/>
-              <a:t>Heat sources</a:t>
-            </a:r>
-          </a:p>
-          <a:p>
-            <a:pPr lvl="1"/>
-            <a:r>
-              <a:rPr lang="en-US" sz="2400" dirty="0" smtClean="0"/>
-              <a:t>Selection process</a:t>
-            </a:r>
-          </a:p>
-          <a:p>
-            <a:r>
-              <a:rPr lang="en-US" sz="2400" b="1" dirty="0" smtClean="0"/>
-              <a:t>Iterative design</a:t>
-            </a:r>
-          </a:p>
-          <a:p>
-            <a:pPr lvl="1"/>
-            <a:r>
-              <a:rPr lang="en-US" sz="2400" dirty="0" smtClean="0"/>
-              <a:t>Cycle parameters</a:t>
-            </a:r>
-          </a:p>
-          <a:p>
-            <a:pPr lvl="1"/>
-            <a:r>
-              <a:rPr lang="en-US" sz="2400" dirty="0" smtClean="0"/>
-              <a:t>Design space</a:t>
-            </a:r>
-          </a:p>
-          <a:p>
-            <a:pPr lvl="1"/>
-            <a:r>
-              <a:rPr lang="en-US" sz="2400" b="1" dirty="0" smtClean="0"/>
-              <a:t>Mathematical modelling</a:t>
-            </a:r>
-          </a:p>
-          <a:p>
-            <a:pPr lvl="1"/>
-            <a:r>
-              <a:rPr lang="en-US" sz="2400" dirty="0" smtClean="0"/>
-              <a:t>Optimization</a:t>
-            </a:r>
-          </a:p>
-          <a:p>
-            <a:r>
-              <a:rPr lang="en-US" sz="2400" dirty="0" smtClean="0"/>
-              <a:t>Results</a:t>
-            </a:r>
-          </a:p>
-          <a:p>
-            <a:pPr lvl="1"/>
-            <a:r>
-              <a:rPr lang="en-US" sz="2400" dirty="0" smtClean="0"/>
-              <a:t>Design specifications</a:t>
-            </a:r>
-          </a:p>
-          <a:p>
-            <a:pPr lvl="1"/>
-            <a:r>
-              <a:rPr lang="en-US" sz="2400" dirty="0" smtClean="0"/>
-              <a:t>Assumptions</a:t>
-            </a:r>
-          </a:p>
-          <a:p>
-            <a:pPr lvl="1"/>
-            <a:r>
-              <a:rPr lang="en-US" sz="2400" dirty="0" smtClean="0"/>
-              <a:t>Discussion</a:t>
-            </a:r>
-          </a:p>
-          <a:p>
-            <a:pPr lvl="1"/>
-            <a:r>
-              <a:rPr lang="en-US" sz="2400" dirty="0" smtClean="0"/>
-              <a:t>Conclusion</a:t>
-            </a:r>
+              <a:rPr lang="en-US" dirty="0" smtClean="0"/>
+              <a:t>The exhaust stream has a lot of drawbacks that the coolant stream doesn’t have. The exhaust temperature must remain high for certain emission control reactions (catalytic converter) , there are a lot of volatile compounds in the exhaust stream that would degrade heat exchanger performance, and raising the pressure of the exhaust stream by restricting its flow would affect the performance of the engine negatively.</a:t>
+            </a:r>
+          </a:p>
+          <a:p>
+            <a:endParaRPr lang="en-US" dirty="0"/>
+          </a:p>
+          <a:p>
+            <a:r>
+              <a:rPr lang="en-US" dirty="0" smtClean="0"/>
+              <a:t>In contrast, the advantages of harnessing heat from the coolant stream are that the temperature of the fluid is relatively consistent, it’s the expected heat sink for the vehicle system in the first place, and it is already circulating under the power of the vehicle pump and so reduces the number of additional components in the proposed system.</a:t>
+            </a:r>
+            <a:endParaRPr lang="en-US" dirty="0"/>
           </a:p>
         </p:txBody>
       </p:sp>
     </p:spTree>
     <p:extLst>
       <p:ext uri="{BB962C8B-B14F-4D97-AF65-F5344CB8AC3E}">
-        <p14:creationId xmlns:p14="http://schemas.microsoft.com/office/powerpoint/2010/main" val="2149395146"/>
+        <p14:creationId xmlns:p14="http://schemas.microsoft.com/office/powerpoint/2010/main" val="3683320713"/>
       </p:ext>
     </p:extLst>
   </p:cSld>
@@ -6785,22 +6284,22 @@
             </a:r>
           </a:p>
           <a:p>
-            <a:pPr lvl="1"/>
-            <a:r>
-              <a:rPr lang="en-US" sz="2400" dirty="0" smtClean="0"/>
-              <a:t>Selection process</a:t>
-            </a:r>
+            <a:endParaRPr lang="en-US" sz="2400" b="1" dirty="0" smtClean="0"/>
           </a:p>
           <a:p>
             <a:r>
               <a:rPr lang="en-US" sz="2400" b="1" dirty="0" smtClean="0"/>
-              <a:t>Iterative design</a:t>
-            </a:r>
-          </a:p>
-          <a:p>
-            <a:pPr lvl="1"/>
-            <a:r>
-              <a:rPr lang="en-US" sz="2400" dirty="0" smtClean="0"/>
+              <a:t>Iterative </a:t>
+            </a:r>
+            <a:r>
+              <a:rPr lang="en-US" sz="2400" b="1" dirty="0" smtClean="0"/>
+              <a:t>design</a:t>
+            </a:r>
+          </a:p>
+          <a:p>
+            <a:pPr lvl="1"/>
+            <a:r>
+              <a:rPr lang="en-US" sz="2400" b="1" dirty="0" smtClean="0"/>
               <a:t>Cycle parameters</a:t>
             </a:r>
           </a:p>
@@ -6821,7 +6320,7 @@
           <a:p>
             <a:pPr lvl="1"/>
             <a:r>
-              <a:rPr lang="en-US" sz="2400" b="1" dirty="0" smtClean="0"/>
+              <a:rPr lang="en-US" sz="2400" dirty="0" smtClean="0"/>
               <a:t>Optimization</a:t>
             </a:r>
           </a:p>
@@ -6901,21 +6400,12 @@
             <p:ph type="title"/>
           </p:nvPr>
         </p:nvSpPr>
-        <p:spPr>
-          <a:xfrm>
-            <a:off x="457200" y="0"/>
-            <a:ext cx="8229600" cy="838200"/>
-          </a:xfrm>
-        </p:spPr>
+        <p:spPr/>
         <p:txBody>
           <a:bodyPr/>
           <a:lstStyle/>
           <a:p>
-            <a:r>
-              <a:rPr lang="en-US" dirty="0" smtClean="0"/>
-              <a:t>Outline</a:t>
-            </a:r>
-            <a:endParaRPr lang="en-US" dirty="0"/>
+            <a:endParaRPr lang="en-US"/>
           </a:p>
         </p:txBody>
       </p:sp>
@@ -6929,170 +6419,19 @@
             <p:ph idx="1"/>
           </p:nvPr>
         </p:nvSpPr>
-        <p:spPr>
-          <a:xfrm>
-            <a:off x="533400" y="838200"/>
-            <a:ext cx="8229600" cy="5791200"/>
-          </a:xfrm>
-        </p:spPr>
-        <p:txBody>
-          <a:bodyPr numCol="2"/>
+        <p:spPr/>
+        <p:txBody>
+          <a:bodyPr/>
           <a:lstStyle/>
           <a:p>
-            <a:r>
-              <a:rPr lang="en-US" sz="2400" dirty="0" smtClean="0"/>
-              <a:t>Waste heat recovery</a:t>
-            </a:r>
-          </a:p>
-          <a:p>
-            <a:pPr lvl="1"/>
-            <a:r>
-              <a:rPr lang="en-US" sz="2400" dirty="0" smtClean="0"/>
-              <a:t>Sources</a:t>
-            </a:r>
-          </a:p>
-          <a:p>
-            <a:pPr lvl="1"/>
-            <a:r>
-              <a:rPr lang="en-US" sz="2400" dirty="0" smtClean="0"/>
-              <a:t>Recovery techniques</a:t>
-            </a:r>
-          </a:p>
-          <a:p>
-            <a:pPr lvl="1"/>
-            <a:r>
-              <a:rPr lang="en-US" sz="2400" dirty="0" smtClean="0"/>
-              <a:t>Technical hurdles</a:t>
-            </a:r>
-          </a:p>
-          <a:p>
-            <a:r>
-              <a:rPr lang="en-US" sz="2400" dirty="0" smtClean="0"/>
-              <a:t>Thermodynamic cycles</a:t>
-            </a:r>
-          </a:p>
-          <a:p>
-            <a:pPr lvl="1"/>
-            <a:r>
-              <a:rPr lang="en-US" sz="2400" dirty="0" smtClean="0"/>
-              <a:t>Rankine cycle</a:t>
-            </a:r>
-          </a:p>
-          <a:p>
-            <a:pPr lvl="1"/>
-            <a:r>
-              <a:rPr lang="en-US" sz="2400" dirty="0" smtClean="0"/>
-              <a:t>Organic Rankine cycle</a:t>
-            </a:r>
-          </a:p>
-          <a:p>
-            <a:pPr lvl="1"/>
-            <a:r>
-              <a:rPr lang="en-US" sz="2400" dirty="0" smtClean="0"/>
-              <a:t>Kalina cycle</a:t>
-            </a:r>
-          </a:p>
-          <a:p>
-            <a:r>
-              <a:rPr lang="en-US" sz="2400" dirty="0" smtClean="0"/>
-              <a:t>Automotive application</a:t>
-            </a:r>
-          </a:p>
-          <a:p>
-            <a:pPr lvl="1"/>
-            <a:r>
-              <a:rPr lang="en-US" sz="2400" dirty="0" smtClean="0"/>
-              <a:t>Special design considerations</a:t>
-            </a:r>
-          </a:p>
-          <a:p>
-            <a:pPr lvl="1"/>
-            <a:r>
-              <a:rPr lang="en-US" sz="2400" dirty="0" smtClean="0"/>
-              <a:t>Heat sources</a:t>
-            </a:r>
-          </a:p>
-          <a:p>
-            <a:pPr lvl="1"/>
-            <a:r>
-              <a:rPr lang="en-US" sz="2400" dirty="0" smtClean="0"/>
-              <a:t>Selection process</a:t>
-            </a:r>
-          </a:p>
-          <a:p>
-            <a:r>
-              <a:rPr lang="en-US" sz="2400" dirty="0" smtClean="0"/>
-              <a:t>Iterative design</a:t>
-            </a:r>
-          </a:p>
-          <a:p>
-            <a:pPr lvl="1"/>
-            <a:r>
-              <a:rPr lang="en-US" sz="2400" dirty="0" smtClean="0"/>
-              <a:t>Cycle parameters</a:t>
-            </a:r>
-          </a:p>
-          <a:p>
-            <a:pPr lvl="1"/>
-            <a:r>
-              <a:rPr lang="en-US" sz="2400" dirty="0" smtClean="0"/>
-              <a:t>Design space</a:t>
-            </a:r>
-          </a:p>
-          <a:p>
-            <a:pPr lvl="1"/>
-            <a:r>
-              <a:rPr lang="en-US" sz="2400" dirty="0" smtClean="0"/>
-              <a:t>Mathematical modelling</a:t>
-            </a:r>
-          </a:p>
-          <a:p>
-            <a:pPr lvl="1"/>
-            <a:r>
-              <a:rPr lang="en-US" sz="2400" dirty="0" smtClean="0"/>
-              <a:t>Optimization</a:t>
-            </a:r>
-          </a:p>
-          <a:p>
-            <a:r>
-              <a:rPr lang="en-US" sz="2400" b="1" dirty="0" smtClean="0"/>
-              <a:t>Results</a:t>
-            </a:r>
-          </a:p>
-          <a:p>
-            <a:pPr lvl="1"/>
-            <a:r>
-              <a:rPr lang="en-US" sz="2400" b="1" dirty="0" smtClean="0"/>
-              <a:t>Design specifications</a:t>
-            </a:r>
-          </a:p>
-          <a:p>
-            <a:pPr lvl="1"/>
-            <a:r>
-              <a:rPr lang="en-US" sz="2400" dirty="0" smtClean="0"/>
-              <a:t>Assumptions</a:t>
-            </a:r>
-          </a:p>
-          <a:p>
-            <a:pPr lvl="1"/>
-            <a:r>
-              <a:rPr lang="en-US" sz="2400" dirty="0" smtClean="0"/>
-              <a:t>Discussion</a:t>
-            </a:r>
-          </a:p>
-          <a:p>
-            <a:pPr lvl="1"/>
-            <a:r>
-              <a:rPr lang="en-US" sz="2400" dirty="0" smtClean="0"/>
-              <a:t>Conclusion</a:t>
-            </a:r>
+            <a:endParaRPr lang="en-US"/>
           </a:p>
         </p:txBody>
       </p:sp>
     </p:spTree>
     <p:extLst>
       <p:ext uri="{BB962C8B-B14F-4D97-AF65-F5344CB8AC3E}">
-        <p14:creationId xmlns:p14="http://schemas.microsoft.com/office/powerpoint/2010/main" val="2149395146"/>
+        <p14:creationId xmlns:p14="http://schemas.microsoft.com/office/powerpoint/2010/main" val="1656489910"/>
       </p:ext>
     </p:extLst>
   </p:cSld>
@@ -7241,16 +6580,16 @@
             </a:r>
           </a:p>
           <a:p>
-            <a:pPr lvl="1"/>
-            <a:r>
-              <a:rPr lang="en-US" sz="2400" dirty="0" smtClean="0"/>
-              <a:t>Selection process</a:t>
-            </a:r>
-          </a:p>
-          <a:p>
-            <a:r>
-              <a:rPr lang="en-US" sz="2400" dirty="0" smtClean="0"/>
-              <a:t>Iterative design</a:t>
+            <a:endParaRPr lang="en-US" sz="2400" b="1" dirty="0" smtClean="0"/>
+          </a:p>
+          <a:p>
+            <a:r>
+              <a:rPr lang="en-US" sz="2400" b="1" dirty="0" smtClean="0"/>
+              <a:t>Iterative </a:t>
+            </a:r>
+            <a:r>
+              <a:rPr lang="en-US" sz="2400" b="1" dirty="0" smtClean="0"/>
+              <a:t>design</a:t>
             </a:r>
           </a:p>
           <a:p>
@@ -7263,7 +6602,7 @@
           <a:p>
             <a:pPr lvl="1"/>
             <a:r>
-              <a:rPr lang="en-US" sz="2400" dirty="0" smtClean="0"/>
+              <a:rPr lang="en-US" sz="2400" b="1" dirty="0" smtClean="0"/>
               <a:t>Design space</a:t>
             </a:r>
           </a:p>
@@ -7283,7 +6622,7 @@
           </a:p>
           <a:p>
             <a:r>
-              <a:rPr lang="en-US" sz="2400" b="1" dirty="0" smtClean="0"/>
+              <a:rPr lang="en-US" sz="2400" dirty="0" smtClean="0"/>
               <a:t>Results</a:t>
             </a:r>
           </a:p>
@@ -7297,7 +6636,7 @@
           <a:p>
             <a:pPr lvl="1"/>
             <a:r>
-              <a:rPr lang="en-US" sz="2400" b="1" dirty="0" smtClean="0"/>
+              <a:rPr lang="en-US" sz="2400" dirty="0" smtClean="0"/>
               <a:t>Assumptions</a:t>
             </a:r>
           </a:p>
@@ -7357,21 +6696,12 @@
             <p:ph type="title"/>
           </p:nvPr>
         </p:nvSpPr>
-        <p:spPr>
-          <a:xfrm>
-            <a:off x="457200" y="0"/>
-            <a:ext cx="8229600" cy="838200"/>
-          </a:xfrm>
-        </p:spPr>
+        <p:spPr/>
         <p:txBody>
           <a:bodyPr/>
           <a:lstStyle/>
           <a:p>
-            <a:r>
-              <a:rPr lang="en-US" dirty="0" smtClean="0"/>
-              <a:t>Outline</a:t>
-            </a:r>
-            <a:endParaRPr lang="en-US" dirty="0"/>
+            <a:endParaRPr lang="en-US"/>
           </a:p>
         </p:txBody>
       </p:sp>
@@ -7385,170 +6715,19 @@
             <p:ph idx="1"/>
           </p:nvPr>
         </p:nvSpPr>
-        <p:spPr>
-          <a:xfrm>
-            <a:off x="533400" y="838200"/>
-            <a:ext cx="8229600" cy="5791200"/>
-          </a:xfrm>
-        </p:spPr>
-        <p:txBody>
-          <a:bodyPr numCol="2"/>
+        <p:spPr/>
+        <p:txBody>
+          <a:bodyPr/>
           <a:lstStyle/>
           <a:p>
-            <a:r>
-              <a:rPr lang="en-US" sz="2400" dirty="0" smtClean="0"/>
-              <a:t>Waste heat recovery</a:t>
-            </a:r>
-          </a:p>
-          <a:p>
-            <a:pPr lvl="1"/>
-            <a:r>
-              <a:rPr lang="en-US" sz="2400" dirty="0" smtClean="0"/>
-              <a:t>Sources</a:t>
-            </a:r>
-          </a:p>
-          <a:p>
-            <a:pPr lvl="1"/>
-            <a:r>
-              <a:rPr lang="en-US" sz="2400" dirty="0" smtClean="0"/>
-              <a:t>Recovery techniques</a:t>
-            </a:r>
-          </a:p>
-          <a:p>
-            <a:pPr lvl="1"/>
-            <a:r>
-              <a:rPr lang="en-US" sz="2400" dirty="0" smtClean="0"/>
-              <a:t>Technical hurdles</a:t>
-            </a:r>
-          </a:p>
-          <a:p>
-            <a:r>
-              <a:rPr lang="en-US" sz="2400" dirty="0" smtClean="0"/>
-              <a:t>Thermodynamic cycles</a:t>
-            </a:r>
-          </a:p>
-          <a:p>
-            <a:pPr lvl="1"/>
-            <a:r>
-              <a:rPr lang="en-US" sz="2400" dirty="0" smtClean="0"/>
-              <a:t>Rankine cycle</a:t>
-            </a:r>
-          </a:p>
-          <a:p>
-            <a:pPr lvl="1"/>
-            <a:r>
-              <a:rPr lang="en-US" sz="2400" dirty="0" smtClean="0"/>
-              <a:t>Organic Rankine cycle</a:t>
-            </a:r>
-          </a:p>
-          <a:p>
-            <a:pPr lvl="1"/>
-            <a:r>
-              <a:rPr lang="en-US" sz="2400" dirty="0" smtClean="0"/>
-              <a:t>Kalina cycle</a:t>
-            </a:r>
-          </a:p>
-          <a:p>
-            <a:r>
-              <a:rPr lang="en-US" sz="2400" dirty="0" smtClean="0"/>
-              <a:t>Automotive application</a:t>
-            </a:r>
-          </a:p>
-          <a:p>
-            <a:pPr lvl="1"/>
-            <a:r>
-              <a:rPr lang="en-US" sz="2400" dirty="0" smtClean="0"/>
-              <a:t>Special design considerations</a:t>
-            </a:r>
-          </a:p>
-          <a:p>
-            <a:pPr lvl="1"/>
-            <a:r>
-              <a:rPr lang="en-US" sz="2400" dirty="0" smtClean="0"/>
-              <a:t>Heat sources</a:t>
-            </a:r>
-          </a:p>
-          <a:p>
-            <a:pPr lvl="1"/>
-            <a:r>
-              <a:rPr lang="en-US" sz="2400" dirty="0" smtClean="0"/>
-              <a:t>Selection process</a:t>
-            </a:r>
-          </a:p>
-          <a:p>
-            <a:r>
-              <a:rPr lang="en-US" sz="2400" dirty="0" smtClean="0"/>
-              <a:t>Iterative design</a:t>
-            </a:r>
-          </a:p>
-          <a:p>
-            <a:pPr lvl="1"/>
-            <a:r>
-              <a:rPr lang="en-US" sz="2400" dirty="0" smtClean="0"/>
-              <a:t>Cycle parameters</a:t>
-            </a:r>
-          </a:p>
-          <a:p>
-            <a:pPr lvl="1"/>
-            <a:r>
-              <a:rPr lang="en-US" sz="2400" dirty="0" smtClean="0"/>
-              <a:t>Design space</a:t>
-            </a:r>
-          </a:p>
-          <a:p>
-            <a:pPr lvl="1"/>
-            <a:r>
-              <a:rPr lang="en-US" sz="2400" dirty="0" smtClean="0"/>
-              <a:t>Mathematical modelling</a:t>
-            </a:r>
-          </a:p>
-          <a:p>
-            <a:pPr lvl="1"/>
-            <a:r>
-              <a:rPr lang="en-US" sz="2400" dirty="0" smtClean="0"/>
-              <a:t>Optimization</a:t>
-            </a:r>
-          </a:p>
-          <a:p>
-            <a:r>
-              <a:rPr lang="en-US" sz="2400" b="1" dirty="0" smtClean="0"/>
-              <a:t>Results</a:t>
-            </a:r>
-          </a:p>
-          <a:p>
-            <a:pPr lvl="1"/>
-            <a:r>
-              <a:rPr lang="en-US" sz="2400" dirty="0" smtClean="0"/>
-              <a:t>Design specifications</a:t>
-            </a:r>
-          </a:p>
-          <a:p>
-            <a:pPr lvl="1"/>
-            <a:r>
-              <a:rPr lang="en-US" sz="2400" dirty="0" smtClean="0"/>
-              <a:t>Assumptions</a:t>
-            </a:r>
-          </a:p>
-          <a:p>
-            <a:pPr lvl="1"/>
-            <a:r>
-              <a:rPr lang="en-US" sz="2400" b="1" dirty="0" smtClean="0"/>
-              <a:t>Discussion</a:t>
-            </a:r>
-          </a:p>
-          <a:p>
-            <a:pPr lvl="1"/>
-            <a:r>
-              <a:rPr lang="en-US" sz="2400" dirty="0" smtClean="0"/>
-              <a:t>Conclusion</a:t>
-            </a:r>
+            <a:endParaRPr lang="en-US"/>
           </a:p>
         </p:txBody>
       </p:sp>
     </p:spTree>
     <p:extLst>
       <p:ext uri="{BB962C8B-B14F-4D97-AF65-F5344CB8AC3E}">
-        <p14:creationId xmlns:p14="http://schemas.microsoft.com/office/powerpoint/2010/main" val="2149395146"/>
+        <p14:creationId xmlns:p14="http://schemas.microsoft.com/office/powerpoint/2010/main" val="2839951278"/>
       </p:ext>
     </p:extLst>
   </p:cSld>
@@ -7697,16 +6876,16 @@
             </a:r>
           </a:p>
           <a:p>
-            <a:pPr lvl="1"/>
-            <a:r>
-              <a:rPr lang="en-US" sz="2400" dirty="0" smtClean="0"/>
-              <a:t>Selection process</a:t>
-            </a:r>
-          </a:p>
-          <a:p>
-            <a:r>
-              <a:rPr lang="en-US" sz="2400" dirty="0" smtClean="0"/>
-              <a:t>Iterative design</a:t>
+            <a:endParaRPr lang="en-US" sz="2400" b="1" dirty="0" smtClean="0"/>
+          </a:p>
+          <a:p>
+            <a:r>
+              <a:rPr lang="en-US" sz="2400" b="1" dirty="0" smtClean="0"/>
+              <a:t>Iterative </a:t>
+            </a:r>
+            <a:r>
+              <a:rPr lang="en-US" sz="2400" b="1" dirty="0" smtClean="0"/>
+              <a:t>design</a:t>
             </a:r>
           </a:p>
           <a:p>
@@ -7726,7 +6905,7 @@
           <a:p>
             <a:pPr lvl="1"/>
             <a:r>
-              <a:rPr lang="en-US" sz="2400" dirty="0" smtClean="0"/>
+              <a:rPr lang="en-US" sz="2400" b="1" dirty="0" smtClean="0"/>
               <a:t>Mathematical modelling</a:t>
             </a:r>
           </a:p>
@@ -7739,7 +6918,303 @@
           </a:p>
           <a:p>
             <a:r>
+              <a:rPr lang="en-US" sz="2400" dirty="0" smtClean="0"/>
+              <a:t>Results</a:t>
+            </a:r>
+          </a:p>
+          <a:p>
+            <a:pPr lvl="1"/>
+            <a:r>
+              <a:rPr lang="en-US" sz="2400" dirty="0" smtClean="0"/>
+              <a:t>Design specifications</a:t>
+            </a:r>
+          </a:p>
+          <a:p>
+            <a:pPr lvl="1"/>
+            <a:r>
+              <a:rPr lang="en-US" sz="2400" dirty="0" smtClean="0"/>
+              <a:t>Assumptions</a:t>
+            </a:r>
+          </a:p>
+          <a:p>
+            <a:pPr lvl="1"/>
+            <a:r>
+              <a:rPr lang="en-US" sz="2400" dirty="0" smtClean="0"/>
+              <a:t>Discussion</a:t>
+            </a:r>
+          </a:p>
+          <a:p>
+            <a:pPr lvl="1"/>
+            <a:r>
+              <a:rPr lang="en-US" sz="2400" dirty="0" smtClean="0"/>
+              <a:t>Conclusion</a:t>
+            </a:r>
+          </a:p>
+        </p:txBody>
+      </p:sp>
+    </p:spTree>
+    <p:extLst>
+      <p:ext uri="{BB962C8B-B14F-4D97-AF65-F5344CB8AC3E}">
+        <p14:creationId xmlns:p14="http://schemas.microsoft.com/office/powerpoint/2010/main" val="2149395146"/>
+      </p:ext>
+    </p:extLst>
+  </p:cSld>
+  <p:clrMapOvr>
+    <a:masterClrMapping/>
+  </p:clrMapOvr>
+</p:sld>
+</file>
+
+<file path=ppt/slides/slide28.xml><?xml version="1.0" encoding="utf-8"?>
+<p:sld xmlns:a="http://schemas.openxmlformats.org/drawingml/2006/main" xmlns:r="http://schemas.openxmlformats.org/officeDocument/2006/relationships" xmlns:p="http://schemas.openxmlformats.org/presentationml/2006/main">
+  <p:cSld>
+    <p:spTree>
+      <p:nvGrpSpPr>
+        <p:cNvPr id="1" name=""/>
+        <p:cNvGrpSpPr/>
+        <p:nvPr/>
+      </p:nvGrpSpPr>
+      <p:grpSpPr>
+        <a:xfrm>
+          <a:off x="0" y="0"/>
+          <a:ext cx="0" cy="0"/>
+          <a:chOff x="0" y="0"/>
+          <a:chExt cx="0" cy="0"/>
+        </a:xfrm>
+      </p:grpSpPr>
+      <p:sp>
+        <p:nvSpPr>
+          <p:cNvPr id="2" name="Title 1"/>
+          <p:cNvSpPr>
+            <a:spLocks noGrp="1"/>
+          </p:cNvSpPr>
+          <p:nvPr>
+            <p:ph type="title"/>
+          </p:nvPr>
+        </p:nvSpPr>
+        <p:spPr/>
+        <p:txBody>
+          <a:bodyPr/>
+          <a:lstStyle/>
+          <a:p>
+            <a:endParaRPr lang="en-US"/>
+          </a:p>
+        </p:txBody>
+      </p:sp>
+      <p:sp>
+        <p:nvSpPr>
+          <p:cNvPr id="3" name="Content Placeholder 2"/>
+          <p:cNvSpPr>
+            <a:spLocks noGrp="1"/>
+          </p:cNvSpPr>
+          <p:nvPr>
+            <p:ph idx="1"/>
+          </p:nvPr>
+        </p:nvSpPr>
+        <p:spPr/>
+        <p:txBody>
+          <a:bodyPr/>
+          <a:lstStyle/>
+          <a:p>
+            <a:endParaRPr lang="en-US"/>
+          </a:p>
+        </p:txBody>
+      </p:sp>
+    </p:spTree>
+    <p:extLst>
+      <p:ext uri="{BB962C8B-B14F-4D97-AF65-F5344CB8AC3E}">
+        <p14:creationId xmlns:p14="http://schemas.microsoft.com/office/powerpoint/2010/main" val="1904208782"/>
+      </p:ext>
+    </p:extLst>
+  </p:cSld>
+  <p:clrMapOvr>
+    <a:masterClrMapping/>
+  </p:clrMapOvr>
+</p:sld>
+</file>
+
+<file path=ppt/slides/slide29.xml><?xml version="1.0" encoding="utf-8"?>
+<p:sld xmlns:a="http://schemas.openxmlformats.org/drawingml/2006/main" xmlns:r="http://schemas.openxmlformats.org/officeDocument/2006/relationships" xmlns:p="http://schemas.openxmlformats.org/presentationml/2006/main">
+  <p:cSld>
+    <p:spTree>
+      <p:nvGrpSpPr>
+        <p:cNvPr id="1" name=""/>
+        <p:cNvGrpSpPr/>
+        <p:nvPr/>
+      </p:nvGrpSpPr>
+      <p:grpSpPr>
+        <a:xfrm>
+          <a:off x="0" y="0"/>
+          <a:ext cx="0" cy="0"/>
+          <a:chOff x="0" y="0"/>
+          <a:chExt cx="0" cy="0"/>
+        </a:xfrm>
+      </p:grpSpPr>
+      <p:sp>
+        <p:nvSpPr>
+          <p:cNvPr id="2" name="Title 1"/>
+          <p:cNvSpPr>
+            <a:spLocks noGrp="1"/>
+          </p:cNvSpPr>
+          <p:nvPr>
+            <p:ph type="title"/>
+          </p:nvPr>
+        </p:nvSpPr>
+        <p:spPr>
+          <a:xfrm>
+            <a:off x="457200" y="0"/>
+            <a:ext cx="8229600" cy="838200"/>
+          </a:xfrm>
+        </p:spPr>
+        <p:txBody>
+          <a:bodyPr/>
+          <a:lstStyle/>
+          <a:p>
+            <a:r>
+              <a:rPr lang="en-US" dirty="0" smtClean="0"/>
+              <a:t>Outline</a:t>
+            </a:r>
+            <a:endParaRPr lang="en-US" dirty="0"/>
+          </a:p>
+        </p:txBody>
+      </p:sp>
+      <p:sp>
+        <p:nvSpPr>
+          <p:cNvPr id="3" name="Content Placeholder 2"/>
+          <p:cNvSpPr>
+            <a:spLocks noGrp="1"/>
+          </p:cNvSpPr>
+          <p:nvPr>
+            <p:ph idx="1"/>
+          </p:nvPr>
+        </p:nvSpPr>
+        <p:spPr>
+          <a:xfrm>
+            <a:off x="533400" y="838200"/>
+            <a:ext cx="8229600" cy="5791200"/>
+          </a:xfrm>
+        </p:spPr>
+        <p:txBody>
+          <a:bodyPr numCol="2"/>
+          <a:lstStyle/>
+          <a:p>
+            <a:r>
+              <a:rPr lang="en-US" sz="2400" dirty="0" smtClean="0"/>
+              <a:t>Waste heat recovery</a:t>
+            </a:r>
+          </a:p>
+          <a:p>
+            <a:pPr lvl="1"/>
+            <a:r>
+              <a:rPr lang="en-US" sz="2400" dirty="0" smtClean="0"/>
+              <a:t>Sources</a:t>
+            </a:r>
+          </a:p>
+          <a:p>
+            <a:pPr lvl="1"/>
+            <a:r>
+              <a:rPr lang="en-US" sz="2400" dirty="0" smtClean="0"/>
+              <a:t>Recovery techniques</a:t>
+            </a:r>
+          </a:p>
+          <a:p>
+            <a:pPr lvl="1"/>
+            <a:r>
+              <a:rPr lang="en-US" sz="2400" dirty="0" smtClean="0"/>
+              <a:t>Technical hurdles</a:t>
+            </a:r>
+          </a:p>
+          <a:p>
+            <a:r>
+              <a:rPr lang="en-US" sz="2400" dirty="0" smtClean="0"/>
+              <a:t>Thermodynamic cycles</a:t>
+            </a:r>
+          </a:p>
+          <a:p>
+            <a:pPr lvl="1"/>
+            <a:r>
+              <a:rPr lang="en-US" sz="2400" dirty="0" smtClean="0"/>
+              <a:t>Rankine cycle</a:t>
+            </a:r>
+          </a:p>
+          <a:p>
+            <a:pPr lvl="1"/>
+            <a:r>
+              <a:rPr lang="en-US" sz="2400" dirty="0" smtClean="0"/>
+              <a:t>Organic Rankine cycle</a:t>
+            </a:r>
+          </a:p>
+          <a:p>
+            <a:pPr lvl="1"/>
+            <a:r>
+              <a:rPr lang="en-US" sz="2400" dirty="0" smtClean="0"/>
+              <a:t>Kalina cycle</a:t>
+            </a:r>
+          </a:p>
+          <a:p>
+            <a:r>
+              <a:rPr lang="en-US" sz="2400" dirty="0" smtClean="0"/>
+              <a:t>Automotive application</a:t>
+            </a:r>
+          </a:p>
+          <a:p>
+            <a:pPr lvl="1"/>
+            <a:r>
+              <a:rPr lang="en-US" sz="2400" dirty="0" smtClean="0"/>
+              <a:t>Special design considerations</a:t>
+            </a:r>
+          </a:p>
+          <a:p>
+            <a:pPr lvl="1"/>
+            <a:r>
+              <a:rPr lang="en-US" sz="2400" dirty="0" smtClean="0"/>
+              <a:t>Heat sources</a:t>
+            </a:r>
+          </a:p>
+          <a:p>
+            <a:endParaRPr lang="en-US" sz="2400" b="1" dirty="0" smtClean="0"/>
+          </a:p>
+          <a:p>
+            <a:r>
               <a:rPr lang="en-US" sz="2400" b="1" dirty="0" smtClean="0"/>
+              <a:t>Iterative </a:t>
+            </a:r>
+            <a:r>
+              <a:rPr lang="en-US" sz="2400" b="1" dirty="0" smtClean="0"/>
+              <a:t>design</a:t>
+            </a:r>
+          </a:p>
+          <a:p>
+            <a:pPr lvl="1"/>
+            <a:r>
+              <a:rPr lang="en-US" sz="2400" dirty="0" smtClean="0"/>
+              <a:t>Cycle parameters</a:t>
+            </a:r>
+          </a:p>
+          <a:p>
+            <a:pPr lvl="1"/>
+            <a:r>
+              <a:rPr lang="en-US" sz="2400" dirty="0" smtClean="0"/>
+              <a:t>Design space</a:t>
+            </a:r>
+          </a:p>
+          <a:p>
+            <a:pPr lvl="1"/>
+            <a:r>
+              <a:rPr lang="en-US" sz="2400" dirty="0" smtClean="0"/>
+              <a:t>Mathematical modelling</a:t>
+            </a:r>
+          </a:p>
+          <a:p>
+            <a:pPr lvl="1"/>
+            <a:r>
+              <a:rPr lang="en-US" sz="2400" b="1" dirty="0" smtClean="0"/>
+              <a:t>Optimization</a:t>
+            </a:r>
+          </a:p>
+          <a:p>
+            <a:r>
+              <a:rPr lang="en-US" sz="2400" dirty="0" smtClean="0"/>
               <a:t>Results</a:t>
             </a:r>
           </a:p>
@@ -7767,7 +7242,7 @@
           <a:p>
             <a:pPr lvl="1"/>
             <a:r>
-              <a:rPr lang="en-US" sz="2400" b="1" dirty="0" smtClean="0"/>
+              <a:rPr lang="en-US" sz="2400" dirty="0" smtClean="0"/>
               <a:t>Conclusion</a:t>
             </a:r>
           </a:p>
@@ -7925,16 +7400,19 @@
             </a:r>
           </a:p>
           <a:p>
-            <a:pPr lvl="1"/>
-            <a:r>
-              <a:rPr lang="en-US" sz="2400" dirty="0" smtClean="0"/>
-              <a:t>Selection process</a:t>
-            </a:r>
-          </a:p>
-          <a:p>
-            <a:r>
-              <a:rPr lang="en-US" sz="2400" dirty="0" smtClean="0"/>
-              <a:t>Iterative design</a:t>
+            <a:pPr marL="457200" lvl="1" indent="0">
+              <a:buNone/>
+            </a:pPr>
+            <a:endParaRPr lang="en-US" sz="2400" dirty="0" smtClean="0"/>
+          </a:p>
+          <a:p>
+            <a:r>
+              <a:rPr lang="en-US" sz="2400" dirty="0" smtClean="0"/>
+              <a:t>Iterative </a:t>
+            </a:r>
+            <a:r>
+              <a:rPr lang="en-US" sz="2400" dirty="0" smtClean="0"/>
+              <a:t>design</a:t>
             </a:r>
           </a:p>
           <a:p>
@@ -8005,6 +7483,1258 @@
     <p:extLst>
       <p:ext uri="{BB962C8B-B14F-4D97-AF65-F5344CB8AC3E}">
         <p14:creationId xmlns:p14="http://schemas.microsoft.com/office/powerpoint/2010/main" val="2149395146"/>
+      </p:ext>
+    </p:extLst>
+  </p:cSld>
+  <p:clrMapOvr>
+    <a:masterClrMapping/>
+  </p:clrMapOvr>
+</p:sld>
+</file>
+
+<file path=ppt/slides/slide30.xml><?xml version="1.0" encoding="utf-8"?>
+<p:sld xmlns:a="http://schemas.openxmlformats.org/drawingml/2006/main" xmlns:r="http://schemas.openxmlformats.org/officeDocument/2006/relationships" xmlns:p="http://schemas.openxmlformats.org/presentationml/2006/main">
+  <p:cSld>
+    <p:spTree>
+      <p:nvGrpSpPr>
+        <p:cNvPr id="1" name=""/>
+        <p:cNvGrpSpPr/>
+        <p:nvPr/>
+      </p:nvGrpSpPr>
+      <p:grpSpPr>
+        <a:xfrm>
+          <a:off x="0" y="0"/>
+          <a:ext cx="0" cy="0"/>
+          <a:chOff x="0" y="0"/>
+          <a:chExt cx="0" cy="0"/>
+        </a:xfrm>
+      </p:grpSpPr>
+      <p:sp>
+        <p:nvSpPr>
+          <p:cNvPr id="2" name="Title 1"/>
+          <p:cNvSpPr>
+            <a:spLocks noGrp="1"/>
+          </p:cNvSpPr>
+          <p:nvPr>
+            <p:ph type="title"/>
+          </p:nvPr>
+        </p:nvSpPr>
+        <p:spPr/>
+        <p:txBody>
+          <a:bodyPr/>
+          <a:lstStyle/>
+          <a:p>
+            <a:endParaRPr lang="en-US"/>
+          </a:p>
+        </p:txBody>
+      </p:sp>
+      <p:sp>
+        <p:nvSpPr>
+          <p:cNvPr id="3" name="Content Placeholder 2"/>
+          <p:cNvSpPr>
+            <a:spLocks noGrp="1"/>
+          </p:cNvSpPr>
+          <p:nvPr>
+            <p:ph idx="1"/>
+          </p:nvPr>
+        </p:nvSpPr>
+        <p:spPr/>
+        <p:txBody>
+          <a:bodyPr/>
+          <a:lstStyle/>
+          <a:p>
+            <a:endParaRPr lang="en-US"/>
+          </a:p>
+        </p:txBody>
+      </p:sp>
+    </p:spTree>
+    <p:extLst>
+      <p:ext uri="{BB962C8B-B14F-4D97-AF65-F5344CB8AC3E}">
+        <p14:creationId xmlns:p14="http://schemas.microsoft.com/office/powerpoint/2010/main" val="231328840"/>
+      </p:ext>
+    </p:extLst>
+  </p:cSld>
+  <p:clrMapOvr>
+    <a:masterClrMapping/>
+  </p:clrMapOvr>
+</p:sld>
+</file>
+
+<file path=ppt/slides/slide31.xml><?xml version="1.0" encoding="utf-8"?>
+<p:sld xmlns:a="http://schemas.openxmlformats.org/drawingml/2006/main" xmlns:r="http://schemas.openxmlformats.org/officeDocument/2006/relationships" xmlns:p="http://schemas.openxmlformats.org/presentationml/2006/main">
+  <p:cSld>
+    <p:spTree>
+      <p:nvGrpSpPr>
+        <p:cNvPr id="1" name=""/>
+        <p:cNvGrpSpPr/>
+        <p:nvPr/>
+      </p:nvGrpSpPr>
+      <p:grpSpPr>
+        <a:xfrm>
+          <a:off x="0" y="0"/>
+          <a:ext cx="0" cy="0"/>
+          <a:chOff x="0" y="0"/>
+          <a:chExt cx="0" cy="0"/>
+        </a:xfrm>
+      </p:grpSpPr>
+      <p:sp>
+        <p:nvSpPr>
+          <p:cNvPr id="2" name="Title 1"/>
+          <p:cNvSpPr>
+            <a:spLocks noGrp="1"/>
+          </p:cNvSpPr>
+          <p:nvPr>
+            <p:ph type="title"/>
+          </p:nvPr>
+        </p:nvSpPr>
+        <p:spPr>
+          <a:xfrm>
+            <a:off x="457200" y="0"/>
+            <a:ext cx="8229600" cy="838200"/>
+          </a:xfrm>
+        </p:spPr>
+        <p:txBody>
+          <a:bodyPr/>
+          <a:lstStyle/>
+          <a:p>
+            <a:r>
+              <a:rPr lang="en-US" dirty="0" smtClean="0"/>
+              <a:t>Outline</a:t>
+            </a:r>
+            <a:endParaRPr lang="en-US" dirty="0"/>
+          </a:p>
+        </p:txBody>
+      </p:sp>
+      <p:sp>
+        <p:nvSpPr>
+          <p:cNvPr id="3" name="Content Placeholder 2"/>
+          <p:cNvSpPr>
+            <a:spLocks noGrp="1"/>
+          </p:cNvSpPr>
+          <p:nvPr>
+            <p:ph idx="1"/>
+          </p:nvPr>
+        </p:nvSpPr>
+        <p:spPr>
+          <a:xfrm>
+            <a:off x="533400" y="838200"/>
+            <a:ext cx="8229600" cy="5791200"/>
+          </a:xfrm>
+        </p:spPr>
+        <p:txBody>
+          <a:bodyPr numCol="2"/>
+          <a:lstStyle/>
+          <a:p>
+            <a:r>
+              <a:rPr lang="en-US" sz="2400" dirty="0" smtClean="0"/>
+              <a:t>Waste heat recovery</a:t>
+            </a:r>
+          </a:p>
+          <a:p>
+            <a:pPr lvl="1"/>
+            <a:r>
+              <a:rPr lang="en-US" sz="2400" dirty="0" smtClean="0"/>
+              <a:t>Sources</a:t>
+            </a:r>
+          </a:p>
+          <a:p>
+            <a:pPr lvl="1"/>
+            <a:r>
+              <a:rPr lang="en-US" sz="2400" dirty="0" smtClean="0"/>
+              <a:t>Recovery techniques</a:t>
+            </a:r>
+          </a:p>
+          <a:p>
+            <a:pPr lvl="1"/>
+            <a:r>
+              <a:rPr lang="en-US" sz="2400" dirty="0" smtClean="0"/>
+              <a:t>Technical hurdles</a:t>
+            </a:r>
+          </a:p>
+          <a:p>
+            <a:r>
+              <a:rPr lang="en-US" sz="2400" dirty="0" smtClean="0"/>
+              <a:t>Thermodynamic cycles</a:t>
+            </a:r>
+          </a:p>
+          <a:p>
+            <a:pPr lvl="1"/>
+            <a:r>
+              <a:rPr lang="en-US" sz="2400" dirty="0" smtClean="0"/>
+              <a:t>Rankine cycle</a:t>
+            </a:r>
+          </a:p>
+          <a:p>
+            <a:pPr lvl="1"/>
+            <a:r>
+              <a:rPr lang="en-US" sz="2400" dirty="0" smtClean="0"/>
+              <a:t>Organic Rankine cycle</a:t>
+            </a:r>
+          </a:p>
+          <a:p>
+            <a:pPr lvl="1"/>
+            <a:r>
+              <a:rPr lang="en-US" sz="2400" dirty="0" smtClean="0"/>
+              <a:t>Kalina cycle</a:t>
+            </a:r>
+          </a:p>
+          <a:p>
+            <a:r>
+              <a:rPr lang="en-US" sz="2400" dirty="0" smtClean="0"/>
+              <a:t>Automotive application</a:t>
+            </a:r>
+          </a:p>
+          <a:p>
+            <a:pPr lvl="1"/>
+            <a:r>
+              <a:rPr lang="en-US" sz="2400" dirty="0" smtClean="0"/>
+              <a:t>Special design considerations</a:t>
+            </a:r>
+          </a:p>
+          <a:p>
+            <a:pPr lvl="1"/>
+            <a:r>
+              <a:rPr lang="en-US" sz="2400" dirty="0" smtClean="0"/>
+              <a:t>Heat sources</a:t>
+            </a:r>
+          </a:p>
+          <a:p>
+            <a:endParaRPr lang="en-US" sz="2400" dirty="0" smtClean="0"/>
+          </a:p>
+          <a:p>
+            <a:r>
+              <a:rPr lang="en-US" sz="2400" dirty="0" smtClean="0"/>
+              <a:t>Iterative </a:t>
+            </a:r>
+            <a:r>
+              <a:rPr lang="en-US" sz="2400" dirty="0" smtClean="0"/>
+              <a:t>design</a:t>
+            </a:r>
+          </a:p>
+          <a:p>
+            <a:pPr lvl="1"/>
+            <a:r>
+              <a:rPr lang="en-US" sz="2400" dirty="0" smtClean="0"/>
+              <a:t>Cycle parameters</a:t>
+            </a:r>
+          </a:p>
+          <a:p>
+            <a:pPr lvl="1"/>
+            <a:r>
+              <a:rPr lang="en-US" sz="2400" dirty="0" smtClean="0"/>
+              <a:t>Design space</a:t>
+            </a:r>
+          </a:p>
+          <a:p>
+            <a:pPr lvl="1"/>
+            <a:r>
+              <a:rPr lang="en-US" sz="2400" dirty="0" smtClean="0"/>
+              <a:t>Mathematical modelling</a:t>
+            </a:r>
+          </a:p>
+          <a:p>
+            <a:pPr lvl="1"/>
+            <a:r>
+              <a:rPr lang="en-US" sz="2400" dirty="0" smtClean="0"/>
+              <a:t>Optimization</a:t>
+            </a:r>
+          </a:p>
+          <a:p>
+            <a:r>
+              <a:rPr lang="en-US" sz="2400" b="1" dirty="0" smtClean="0"/>
+              <a:t>Results</a:t>
+            </a:r>
+          </a:p>
+          <a:p>
+            <a:pPr lvl="1"/>
+            <a:r>
+              <a:rPr lang="en-US" sz="2400" b="1" dirty="0" smtClean="0"/>
+              <a:t>Design specifications</a:t>
+            </a:r>
+          </a:p>
+          <a:p>
+            <a:pPr lvl="1"/>
+            <a:r>
+              <a:rPr lang="en-US" sz="2400" dirty="0" smtClean="0"/>
+              <a:t>Assumptions</a:t>
+            </a:r>
+          </a:p>
+          <a:p>
+            <a:pPr lvl="1"/>
+            <a:r>
+              <a:rPr lang="en-US" sz="2400" dirty="0" smtClean="0"/>
+              <a:t>Discussion</a:t>
+            </a:r>
+          </a:p>
+          <a:p>
+            <a:pPr lvl="1"/>
+            <a:r>
+              <a:rPr lang="en-US" sz="2400" dirty="0" smtClean="0"/>
+              <a:t>Conclusion</a:t>
+            </a:r>
+          </a:p>
+        </p:txBody>
+      </p:sp>
+    </p:spTree>
+    <p:extLst>
+      <p:ext uri="{BB962C8B-B14F-4D97-AF65-F5344CB8AC3E}">
+        <p14:creationId xmlns:p14="http://schemas.microsoft.com/office/powerpoint/2010/main" val="2149395146"/>
+      </p:ext>
+    </p:extLst>
+  </p:cSld>
+  <p:clrMapOvr>
+    <a:masterClrMapping/>
+  </p:clrMapOvr>
+</p:sld>
+</file>
+
+<file path=ppt/slides/slide32.xml><?xml version="1.0" encoding="utf-8"?>
+<p:sld xmlns:a="http://schemas.openxmlformats.org/drawingml/2006/main" xmlns:r="http://schemas.openxmlformats.org/officeDocument/2006/relationships" xmlns:p="http://schemas.openxmlformats.org/presentationml/2006/main">
+  <p:cSld>
+    <p:spTree>
+      <p:nvGrpSpPr>
+        <p:cNvPr id="1" name=""/>
+        <p:cNvGrpSpPr/>
+        <p:nvPr/>
+      </p:nvGrpSpPr>
+      <p:grpSpPr>
+        <a:xfrm>
+          <a:off x="0" y="0"/>
+          <a:ext cx="0" cy="0"/>
+          <a:chOff x="0" y="0"/>
+          <a:chExt cx="0" cy="0"/>
+        </a:xfrm>
+      </p:grpSpPr>
+      <p:sp>
+        <p:nvSpPr>
+          <p:cNvPr id="2" name="Title 1"/>
+          <p:cNvSpPr>
+            <a:spLocks noGrp="1"/>
+          </p:cNvSpPr>
+          <p:nvPr>
+            <p:ph type="title"/>
+          </p:nvPr>
+        </p:nvSpPr>
+        <p:spPr/>
+        <p:txBody>
+          <a:bodyPr/>
+          <a:lstStyle/>
+          <a:p>
+            <a:endParaRPr lang="en-US"/>
+          </a:p>
+        </p:txBody>
+      </p:sp>
+      <p:sp>
+        <p:nvSpPr>
+          <p:cNvPr id="3" name="Content Placeholder 2"/>
+          <p:cNvSpPr>
+            <a:spLocks noGrp="1"/>
+          </p:cNvSpPr>
+          <p:nvPr>
+            <p:ph idx="1"/>
+          </p:nvPr>
+        </p:nvSpPr>
+        <p:spPr/>
+        <p:txBody>
+          <a:bodyPr/>
+          <a:lstStyle/>
+          <a:p>
+            <a:endParaRPr lang="en-US"/>
+          </a:p>
+        </p:txBody>
+      </p:sp>
+    </p:spTree>
+    <p:extLst>
+      <p:ext uri="{BB962C8B-B14F-4D97-AF65-F5344CB8AC3E}">
+        <p14:creationId xmlns:p14="http://schemas.microsoft.com/office/powerpoint/2010/main" val="3682436500"/>
+      </p:ext>
+    </p:extLst>
+  </p:cSld>
+  <p:clrMapOvr>
+    <a:masterClrMapping/>
+  </p:clrMapOvr>
+</p:sld>
+</file>
+
+<file path=ppt/slides/slide33.xml><?xml version="1.0" encoding="utf-8"?>
+<p:sld xmlns:a="http://schemas.openxmlformats.org/drawingml/2006/main" xmlns:r="http://schemas.openxmlformats.org/officeDocument/2006/relationships" xmlns:p="http://schemas.openxmlformats.org/presentationml/2006/main">
+  <p:cSld>
+    <p:spTree>
+      <p:nvGrpSpPr>
+        <p:cNvPr id="1" name=""/>
+        <p:cNvGrpSpPr/>
+        <p:nvPr/>
+      </p:nvGrpSpPr>
+      <p:grpSpPr>
+        <a:xfrm>
+          <a:off x="0" y="0"/>
+          <a:ext cx="0" cy="0"/>
+          <a:chOff x="0" y="0"/>
+          <a:chExt cx="0" cy="0"/>
+        </a:xfrm>
+      </p:grpSpPr>
+      <p:sp>
+        <p:nvSpPr>
+          <p:cNvPr id="2" name="Title 1"/>
+          <p:cNvSpPr>
+            <a:spLocks noGrp="1"/>
+          </p:cNvSpPr>
+          <p:nvPr>
+            <p:ph type="title"/>
+          </p:nvPr>
+        </p:nvSpPr>
+        <p:spPr>
+          <a:xfrm>
+            <a:off x="457200" y="0"/>
+            <a:ext cx="8229600" cy="838200"/>
+          </a:xfrm>
+        </p:spPr>
+        <p:txBody>
+          <a:bodyPr/>
+          <a:lstStyle/>
+          <a:p>
+            <a:r>
+              <a:rPr lang="en-US" dirty="0" smtClean="0"/>
+              <a:t>Outline</a:t>
+            </a:r>
+            <a:endParaRPr lang="en-US" dirty="0"/>
+          </a:p>
+        </p:txBody>
+      </p:sp>
+      <p:sp>
+        <p:nvSpPr>
+          <p:cNvPr id="3" name="Content Placeholder 2"/>
+          <p:cNvSpPr>
+            <a:spLocks noGrp="1"/>
+          </p:cNvSpPr>
+          <p:nvPr>
+            <p:ph idx="1"/>
+          </p:nvPr>
+        </p:nvSpPr>
+        <p:spPr>
+          <a:xfrm>
+            <a:off x="533400" y="838200"/>
+            <a:ext cx="8229600" cy="5791200"/>
+          </a:xfrm>
+        </p:spPr>
+        <p:txBody>
+          <a:bodyPr numCol="2"/>
+          <a:lstStyle/>
+          <a:p>
+            <a:r>
+              <a:rPr lang="en-US" sz="2400" dirty="0" smtClean="0"/>
+              <a:t>Waste heat recovery</a:t>
+            </a:r>
+          </a:p>
+          <a:p>
+            <a:pPr lvl="1"/>
+            <a:r>
+              <a:rPr lang="en-US" sz="2400" dirty="0" smtClean="0"/>
+              <a:t>Sources</a:t>
+            </a:r>
+          </a:p>
+          <a:p>
+            <a:pPr lvl="1"/>
+            <a:r>
+              <a:rPr lang="en-US" sz="2400" dirty="0" smtClean="0"/>
+              <a:t>Recovery techniques</a:t>
+            </a:r>
+          </a:p>
+          <a:p>
+            <a:pPr lvl="1"/>
+            <a:r>
+              <a:rPr lang="en-US" sz="2400" dirty="0" smtClean="0"/>
+              <a:t>Technical hurdles</a:t>
+            </a:r>
+          </a:p>
+          <a:p>
+            <a:r>
+              <a:rPr lang="en-US" sz="2400" dirty="0" smtClean="0"/>
+              <a:t>Thermodynamic cycles</a:t>
+            </a:r>
+          </a:p>
+          <a:p>
+            <a:pPr lvl="1"/>
+            <a:r>
+              <a:rPr lang="en-US" sz="2400" dirty="0" smtClean="0"/>
+              <a:t>Rankine cycle</a:t>
+            </a:r>
+          </a:p>
+          <a:p>
+            <a:pPr lvl="1"/>
+            <a:r>
+              <a:rPr lang="en-US" sz="2400" dirty="0" smtClean="0"/>
+              <a:t>Organic Rankine cycle</a:t>
+            </a:r>
+          </a:p>
+          <a:p>
+            <a:pPr lvl="1"/>
+            <a:r>
+              <a:rPr lang="en-US" sz="2400" dirty="0" smtClean="0"/>
+              <a:t>Kalina cycle</a:t>
+            </a:r>
+          </a:p>
+          <a:p>
+            <a:r>
+              <a:rPr lang="en-US" sz="2400" dirty="0" smtClean="0"/>
+              <a:t>Automotive application</a:t>
+            </a:r>
+          </a:p>
+          <a:p>
+            <a:pPr lvl="1"/>
+            <a:r>
+              <a:rPr lang="en-US" sz="2400" dirty="0" smtClean="0"/>
+              <a:t>Special design considerations</a:t>
+            </a:r>
+          </a:p>
+          <a:p>
+            <a:pPr lvl="1"/>
+            <a:r>
+              <a:rPr lang="en-US" sz="2400" dirty="0" smtClean="0"/>
+              <a:t>Heat sources</a:t>
+            </a:r>
+          </a:p>
+          <a:p>
+            <a:endParaRPr lang="en-US" sz="2400" dirty="0" smtClean="0"/>
+          </a:p>
+          <a:p>
+            <a:r>
+              <a:rPr lang="en-US" sz="2400" dirty="0" smtClean="0"/>
+              <a:t>Iterative </a:t>
+            </a:r>
+            <a:r>
+              <a:rPr lang="en-US" sz="2400" dirty="0" smtClean="0"/>
+              <a:t>design</a:t>
+            </a:r>
+          </a:p>
+          <a:p>
+            <a:pPr lvl="1"/>
+            <a:r>
+              <a:rPr lang="en-US" sz="2400" dirty="0" smtClean="0"/>
+              <a:t>Cycle parameters</a:t>
+            </a:r>
+          </a:p>
+          <a:p>
+            <a:pPr lvl="1"/>
+            <a:r>
+              <a:rPr lang="en-US" sz="2400" dirty="0" smtClean="0"/>
+              <a:t>Design space</a:t>
+            </a:r>
+          </a:p>
+          <a:p>
+            <a:pPr lvl="1"/>
+            <a:r>
+              <a:rPr lang="en-US" sz="2400" dirty="0" smtClean="0"/>
+              <a:t>Mathematical modelling</a:t>
+            </a:r>
+          </a:p>
+          <a:p>
+            <a:pPr lvl="1"/>
+            <a:r>
+              <a:rPr lang="en-US" sz="2400" dirty="0" smtClean="0"/>
+              <a:t>Optimization</a:t>
+            </a:r>
+          </a:p>
+          <a:p>
+            <a:r>
+              <a:rPr lang="en-US" sz="2400" b="1" dirty="0" smtClean="0"/>
+              <a:t>Results</a:t>
+            </a:r>
+          </a:p>
+          <a:p>
+            <a:pPr lvl="1"/>
+            <a:r>
+              <a:rPr lang="en-US" sz="2400" dirty="0" smtClean="0"/>
+              <a:t>Design specifications</a:t>
+            </a:r>
+          </a:p>
+          <a:p>
+            <a:pPr lvl="1"/>
+            <a:r>
+              <a:rPr lang="en-US" sz="2400" b="1" dirty="0" smtClean="0"/>
+              <a:t>Assumptions</a:t>
+            </a:r>
+          </a:p>
+          <a:p>
+            <a:pPr lvl="1"/>
+            <a:r>
+              <a:rPr lang="en-US" sz="2400" dirty="0" smtClean="0"/>
+              <a:t>Discussion</a:t>
+            </a:r>
+          </a:p>
+          <a:p>
+            <a:pPr lvl="1"/>
+            <a:r>
+              <a:rPr lang="en-US" sz="2400" dirty="0" smtClean="0"/>
+              <a:t>Conclusion</a:t>
+            </a:r>
+          </a:p>
+        </p:txBody>
+      </p:sp>
+    </p:spTree>
+    <p:extLst>
+      <p:ext uri="{BB962C8B-B14F-4D97-AF65-F5344CB8AC3E}">
+        <p14:creationId xmlns:p14="http://schemas.microsoft.com/office/powerpoint/2010/main" val="2149395146"/>
+      </p:ext>
+    </p:extLst>
+  </p:cSld>
+  <p:clrMapOvr>
+    <a:masterClrMapping/>
+  </p:clrMapOvr>
+</p:sld>
+</file>
+
+<file path=ppt/slides/slide34.xml><?xml version="1.0" encoding="utf-8"?>
+<p:sld xmlns:a="http://schemas.openxmlformats.org/drawingml/2006/main" xmlns:r="http://schemas.openxmlformats.org/officeDocument/2006/relationships" xmlns:p="http://schemas.openxmlformats.org/presentationml/2006/main">
+  <p:cSld>
+    <p:spTree>
+      <p:nvGrpSpPr>
+        <p:cNvPr id="1" name=""/>
+        <p:cNvGrpSpPr/>
+        <p:nvPr/>
+      </p:nvGrpSpPr>
+      <p:grpSpPr>
+        <a:xfrm>
+          <a:off x="0" y="0"/>
+          <a:ext cx="0" cy="0"/>
+          <a:chOff x="0" y="0"/>
+          <a:chExt cx="0" cy="0"/>
+        </a:xfrm>
+      </p:grpSpPr>
+      <p:sp>
+        <p:nvSpPr>
+          <p:cNvPr id="2" name="Title 1"/>
+          <p:cNvSpPr>
+            <a:spLocks noGrp="1"/>
+          </p:cNvSpPr>
+          <p:nvPr>
+            <p:ph type="title"/>
+          </p:nvPr>
+        </p:nvSpPr>
+        <p:spPr/>
+        <p:txBody>
+          <a:bodyPr/>
+          <a:lstStyle/>
+          <a:p>
+            <a:endParaRPr lang="en-US"/>
+          </a:p>
+        </p:txBody>
+      </p:sp>
+      <p:sp>
+        <p:nvSpPr>
+          <p:cNvPr id="3" name="Content Placeholder 2"/>
+          <p:cNvSpPr>
+            <a:spLocks noGrp="1"/>
+          </p:cNvSpPr>
+          <p:nvPr>
+            <p:ph idx="1"/>
+          </p:nvPr>
+        </p:nvSpPr>
+        <p:spPr/>
+        <p:txBody>
+          <a:bodyPr/>
+          <a:lstStyle/>
+          <a:p>
+            <a:endParaRPr lang="en-US"/>
+          </a:p>
+        </p:txBody>
+      </p:sp>
+    </p:spTree>
+    <p:extLst>
+      <p:ext uri="{BB962C8B-B14F-4D97-AF65-F5344CB8AC3E}">
+        <p14:creationId xmlns:p14="http://schemas.microsoft.com/office/powerpoint/2010/main" val="1945648921"/>
+      </p:ext>
+    </p:extLst>
+  </p:cSld>
+  <p:clrMapOvr>
+    <a:masterClrMapping/>
+  </p:clrMapOvr>
+</p:sld>
+</file>
+
+<file path=ppt/slides/slide35.xml><?xml version="1.0" encoding="utf-8"?>
+<p:sld xmlns:a="http://schemas.openxmlformats.org/drawingml/2006/main" xmlns:r="http://schemas.openxmlformats.org/officeDocument/2006/relationships" xmlns:p="http://schemas.openxmlformats.org/presentationml/2006/main">
+  <p:cSld>
+    <p:spTree>
+      <p:nvGrpSpPr>
+        <p:cNvPr id="1" name=""/>
+        <p:cNvGrpSpPr/>
+        <p:nvPr/>
+      </p:nvGrpSpPr>
+      <p:grpSpPr>
+        <a:xfrm>
+          <a:off x="0" y="0"/>
+          <a:ext cx="0" cy="0"/>
+          <a:chOff x="0" y="0"/>
+          <a:chExt cx="0" cy="0"/>
+        </a:xfrm>
+      </p:grpSpPr>
+      <p:sp>
+        <p:nvSpPr>
+          <p:cNvPr id="2" name="Title 1"/>
+          <p:cNvSpPr>
+            <a:spLocks noGrp="1"/>
+          </p:cNvSpPr>
+          <p:nvPr>
+            <p:ph type="title"/>
+          </p:nvPr>
+        </p:nvSpPr>
+        <p:spPr>
+          <a:xfrm>
+            <a:off x="457200" y="0"/>
+            <a:ext cx="8229600" cy="838200"/>
+          </a:xfrm>
+        </p:spPr>
+        <p:txBody>
+          <a:bodyPr/>
+          <a:lstStyle/>
+          <a:p>
+            <a:r>
+              <a:rPr lang="en-US" dirty="0" smtClean="0"/>
+              <a:t>Outline</a:t>
+            </a:r>
+            <a:endParaRPr lang="en-US" dirty="0"/>
+          </a:p>
+        </p:txBody>
+      </p:sp>
+      <p:sp>
+        <p:nvSpPr>
+          <p:cNvPr id="3" name="Content Placeholder 2"/>
+          <p:cNvSpPr>
+            <a:spLocks noGrp="1"/>
+          </p:cNvSpPr>
+          <p:nvPr>
+            <p:ph idx="1"/>
+          </p:nvPr>
+        </p:nvSpPr>
+        <p:spPr>
+          <a:xfrm>
+            <a:off x="533400" y="838200"/>
+            <a:ext cx="8229600" cy="5791200"/>
+          </a:xfrm>
+        </p:spPr>
+        <p:txBody>
+          <a:bodyPr numCol="2"/>
+          <a:lstStyle/>
+          <a:p>
+            <a:r>
+              <a:rPr lang="en-US" sz="2400" dirty="0" smtClean="0"/>
+              <a:t>Waste heat recovery</a:t>
+            </a:r>
+          </a:p>
+          <a:p>
+            <a:pPr lvl="1"/>
+            <a:r>
+              <a:rPr lang="en-US" sz="2400" dirty="0" smtClean="0"/>
+              <a:t>Sources</a:t>
+            </a:r>
+          </a:p>
+          <a:p>
+            <a:pPr lvl="1"/>
+            <a:r>
+              <a:rPr lang="en-US" sz="2400" dirty="0" smtClean="0"/>
+              <a:t>Recovery techniques</a:t>
+            </a:r>
+          </a:p>
+          <a:p>
+            <a:pPr lvl="1"/>
+            <a:r>
+              <a:rPr lang="en-US" sz="2400" dirty="0" smtClean="0"/>
+              <a:t>Technical hurdles</a:t>
+            </a:r>
+          </a:p>
+          <a:p>
+            <a:r>
+              <a:rPr lang="en-US" sz="2400" dirty="0" smtClean="0"/>
+              <a:t>Thermodynamic cycles</a:t>
+            </a:r>
+          </a:p>
+          <a:p>
+            <a:pPr lvl="1"/>
+            <a:r>
+              <a:rPr lang="en-US" sz="2400" dirty="0" smtClean="0"/>
+              <a:t>Rankine cycle</a:t>
+            </a:r>
+          </a:p>
+          <a:p>
+            <a:pPr lvl="1"/>
+            <a:r>
+              <a:rPr lang="en-US" sz="2400" dirty="0" smtClean="0"/>
+              <a:t>Organic Rankine cycle</a:t>
+            </a:r>
+          </a:p>
+          <a:p>
+            <a:pPr lvl="1"/>
+            <a:r>
+              <a:rPr lang="en-US" sz="2400" dirty="0" smtClean="0"/>
+              <a:t>Kalina cycle</a:t>
+            </a:r>
+          </a:p>
+          <a:p>
+            <a:r>
+              <a:rPr lang="en-US" sz="2400" dirty="0" smtClean="0"/>
+              <a:t>Automotive application</a:t>
+            </a:r>
+          </a:p>
+          <a:p>
+            <a:pPr lvl="1"/>
+            <a:r>
+              <a:rPr lang="en-US" sz="2400" dirty="0" smtClean="0"/>
+              <a:t>Special design considerations</a:t>
+            </a:r>
+          </a:p>
+          <a:p>
+            <a:pPr lvl="1"/>
+            <a:r>
+              <a:rPr lang="en-US" sz="2400" dirty="0" smtClean="0"/>
+              <a:t>Heat sources</a:t>
+            </a:r>
+          </a:p>
+          <a:p>
+            <a:endParaRPr lang="en-US" sz="2400" dirty="0" smtClean="0"/>
+          </a:p>
+          <a:p>
+            <a:r>
+              <a:rPr lang="en-US" sz="2400" dirty="0" smtClean="0"/>
+              <a:t>Iterative </a:t>
+            </a:r>
+            <a:r>
+              <a:rPr lang="en-US" sz="2400" dirty="0" smtClean="0"/>
+              <a:t>design</a:t>
+            </a:r>
+          </a:p>
+          <a:p>
+            <a:pPr lvl="1"/>
+            <a:r>
+              <a:rPr lang="en-US" sz="2400" dirty="0" smtClean="0"/>
+              <a:t>Cycle parameters</a:t>
+            </a:r>
+          </a:p>
+          <a:p>
+            <a:pPr lvl="1"/>
+            <a:r>
+              <a:rPr lang="en-US" sz="2400" dirty="0" smtClean="0"/>
+              <a:t>Design space</a:t>
+            </a:r>
+          </a:p>
+          <a:p>
+            <a:pPr lvl="1"/>
+            <a:r>
+              <a:rPr lang="en-US" sz="2400" dirty="0" smtClean="0"/>
+              <a:t>Mathematical modelling</a:t>
+            </a:r>
+          </a:p>
+          <a:p>
+            <a:pPr lvl="1"/>
+            <a:r>
+              <a:rPr lang="en-US" sz="2400" dirty="0" smtClean="0"/>
+              <a:t>Optimization</a:t>
+            </a:r>
+          </a:p>
+          <a:p>
+            <a:r>
+              <a:rPr lang="en-US" sz="2400" b="1" dirty="0" smtClean="0"/>
+              <a:t>Results</a:t>
+            </a:r>
+          </a:p>
+          <a:p>
+            <a:pPr lvl="1"/>
+            <a:r>
+              <a:rPr lang="en-US" sz="2400" dirty="0" smtClean="0"/>
+              <a:t>Design specifications</a:t>
+            </a:r>
+          </a:p>
+          <a:p>
+            <a:pPr lvl="1"/>
+            <a:r>
+              <a:rPr lang="en-US" sz="2400" dirty="0" smtClean="0"/>
+              <a:t>Assumptions</a:t>
+            </a:r>
+          </a:p>
+          <a:p>
+            <a:pPr lvl="1"/>
+            <a:r>
+              <a:rPr lang="en-US" sz="2400" b="1" dirty="0" smtClean="0"/>
+              <a:t>Discussion</a:t>
+            </a:r>
+          </a:p>
+          <a:p>
+            <a:pPr lvl="1"/>
+            <a:r>
+              <a:rPr lang="en-US" sz="2400" dirty="0" smtClean="0"/>
+              <a:t>Conclusion</a:t>
+            </a:r>
+          </a:p>
+        </p:txBody>
+      </p:sp>
+    </p:spTree>
+    <p:extLst>
+      <p:ext uri="{BB962C8B-B14F-4D97-AF65-F5344CB8AC3E}">
+        <p14:creationId xmlns:p14="http://schemas.microsoft.com/office/powerpoint/2010/main" val="2149395146"/>
+      </p:ext>
+    </p:extLst>
+  </p:cSld>
+  <p:clrMapOvr>
+    <a:masterClrMapping/>
+  </p:clrMapOvr>
+</p:sld>
+</file>
+
+<file path=ppt/slides/slide36.xml><?xml version="1.0" encoding="utf-8"?>
+<p:sld xmlns:a="http://schemas.openxmlformats.org/drawingml/2006/main" xmlns:r="http://schemas.openxmlformats.org/officeDocument/2006/relationships" xmlns:p="http://schemas.openxmlformats.org/presentationml/2006/main">
+  <p:cSld>
+    <p:spTree>
+      <p:nvGrpSpPr>
+        <p:cNvPr id="1" name=""/>
+        <p:cNvGrpSpPr/>
+        <p:nvPr/>
+      </p:nvGrpSpPr>
+      <p:grpSpPr>
+        <a:xfrm>
+          <a:off x="0" y="0"/>
+          <a:ext cx="0" cy="0"/>
+          <a:chOff x="0" y="0"/>
+          <a:chExt cx="0" cy="0"/>
+        </a:xfrm>
+      </p:grpSpPr>
+      <p:sp>
+        <p:nvSpPr>
+          <p:cNvPr id="2" name="Title 1"/>
+          <p:cNvSpPr>
+            <a:spLocks noGrp="1"/>
+          </p:cNvSpPr>
+          <p:nvPr>
+            <p:ph type="title"/>
+          </p:nvPr>
+        </p:nvSpPr>
+        <p:spPr/>
+        <p:txBody>
+          <a:bodyPr/>
+          <a:lstStyle/>
+          <a:p>
+            <a:endParaRPr lang="en-US"/>
+          </a:p>
+        </p:txBody>
+      </p:sp>
+      <p:sp>
+        <p:nvSpPr>
+          <p:cNvPr id="3" name="Content Placeholder 2"/>
+          <p:cNvSpPr>
+            <a:spLocks noGrp="1"/>
+          </p:cNvSpPr>
+          <p:nvPr>
+            <p:ph idx="1"/>
+          </p:nvPr>
+        </p:nvSpPr>
+        <p:spPr/>
+        <p:txBody>
+          <a:bodyPr/>
+          <a:lstStyle/>
+          <a:p>
+            <a:endParaRPr lang="en-US"/>
+          </a:p>
+        </p:txBody>
+      </p:sp>
+    </p:spTree>
+    <p:extLst>
+      <p:ext uri="{BB962C8B-B14F-4D97-AF65-F5344CB8AC3E}">
+        <p14:creationId xmlns:p14="http://schemas.microsoft.com/office/powerpoint/2010/main" val="304449306"/>
+      </p:ext>
+    </p:extLst>
+  </p:cSld>
+  <p:clrMapOvr>
+    <a:masterClrMapping/>
+  </p:clrMapOvr>
+</p:sld>
+</file>
+
+<file path=ppt/slides/slide37.xml><?xml version="1.0" encoding="utf-8"?>
+<p:sld xmlns:a="http://schemas.openxmlformats.org/drawingml/2006/main" xmlns:r="http://schemas.openxmlformats.org/officeDocument/2006/relationships" xmlns:p="http://schemas.openxmlformats.org/presentationml/2006/main">
+  <p:cSld>
+    <p:spTree>
+      <p:nvGrpSpPr>
+        <p:cNvPr id="1" name=""/>
+        <p:cNvGrpSpPr/>
+        <p:nvPr/>
+      </p:nvGrpSpPr>
+      <p:grpSpPr>
+        <a:xfrm>
+          <a:off x="0" y="0"/>
+          <a:ext cx="0" cy="0"/>
+          <a:chOff x="0" y="0"/>
+          <a:chExt cx="0" cy="0"/>
+        </a:xfrm>
+      </p:grpSpPr>
+      <p:sp>
+        <p:nvSpPr>
+          <p:cNvPr id="2" name="Title 1"/>
+          <p:cNvSpPr>
+            <a:spLocks noGrp="1"/>
+          </p:cNvSpPr>
+          <p:nvPr>
+            <p:ph type="title"/>
+          </p:nvPr>
+        </p:nvSpPr>
+        <p:spPr>
+          <a:xfrm>
+            <a:off x="457200" y="0"/>
+            <a:ext cx="8229600" cy="838200"/>
+          </a:xfrm>
+        </p:spPr>
+        <p:txBody>
+          <a:bodyPr/>
+          <a:lstStyle/>
+          <a:p>
+            <a:r>
+              <a:rPr lang="en-US" dirty="0" smtClean="0"/>
+              <a:t>Outline</a:t>
+            </a:r>
+            <a:endParaRPr lang="en-US" dirty="0"/>
+          </a:p>
+        </p:txBody>
+      </p:sp>
+      <p:sp>
+        <p:nvSpPr>
+          <p:cNvPr id="3" name="Content Placeholder 2"/>
+          <p:cNvSpPr>
+            <a:spLocks noGrp="1"/>
+          </p:cNvSpPr>
+          <p:nvPr>
+            <p:ph idx="1"/>
+          </p:nvPr>
+        </p:nvSpPr>
+        <p:spPr>
+          <a:xfrm>
+            <a:off x="533400" y="838200"/>
+            <a:ext cx="8229600" cy="5791200"/>
+          </a:xfrm>
+        </p:spPr>
+        <p:txBody>
+          <a:bodyPr numCol="2"/>
+          <a:lstStyle/>
+          <a:p>
+            <a:r>
+              <a:rPr lang="en-US" sz="2400" dirty="0" smtClean="0"/>
+              <a:t>Waste heat recovery</a:t>
+            </a:r>
+          </a:p>
+          <a:p>
+            <a:pPr lvl="1"/>
+            <a:r>
+              <a:rPr lang="en-US" sz="2400" dirty="0" smtClean="0"/>
+              <a:t>Sources</a:t>
+            </a:r>
+          </a:p>
+          <a:p>
+            <a:pPr lvl="1"/>
+            <a:r>
+              <a:rPr lang="en-US" sz="2400" dirty="0" smtClean="0"/>
+              <a:t>Recovery techniques</a:t>
+            </a:r>
+          </a:p>
+          <a:p>
+            <a:pPr lvl="1"/>
+            <a:r>
+              <a:rPr lang="en-US" sz="2400" dirty="0" smtClean="0"/>
+              <a:t>Technical hurdles</a:t>
+            </a:r>
+          </a:p>
+          <a:p>
+            <a:r>
+              <a:rPr lang="en-US" sz="2400" dirty="0" smtClean="0"/>
+              <a:t>Thermodynamic cycles</a:t>
+            </a:r>
+          </a:p>
+          <a:p>
+            <a:pPr lvl="1"/>
+            <a:r>
+              <a:rPr lang="en-US" sz="2400" dirty="0" smtClean="0"/>
+              <a:t>Rankine cycle</a:t>
+            </a:r>
+          </a:p>
+          <a:p>
+            <a:pPr lvl="1"/>
+            <a:r>
+              <a:rPr lang="en-US" sz="2400" dirty="0" smtClean="0"/>
+              <a:t>Organic Rankine cycle</a:t>
+            </a:r>
+          </a:p>
+          <a:p>
+            <a:pPr lvl="1"/>
+            <a:r>
+              <a:rPr lang="en-US" sz="2400" dirty="0" smtClean="0"/>
+              <a:t>Kalina cycle</a:t>
+            </a:r>
+          </a:p>
+          <a:p>
+            <a:r>
+              <a:rPr lang="en-US" sz="2400" dirty="0" smtClean="0"/>
+              <a:t>Automotive application</a:t>
+            </a:r>
+          </a:p>
+          <a:p>
+            <a:pPr lvl="1"/>
+            <a:r>
+              <a:rPr lang="en-US" sz="2400" dirty="0" smtClean="0"/>
+              <a:t>Special design considerations</a:t>
+            </a:r>
+          </a:p>
+          <a:p>
+            <a:pPr lvl="1"/>
+            <a:r>
+              <a:rPr lang="en-US" sz="2400" dirty="0" smtClean="0"/>
+              <a:t>Heat sources</a:t>
+            </a:r>
+          </a:p>
+          <a:p>
+            <a:endParaRPr lang="en-US" sz="2400" dirty="0" smtClean="0"/>
+          </a:p>
+          <a:p>
+            <a:r>
+              <a:rPr lang="en-US" sz="2400" dirty="0" smtClean="0"/>
+              <a:t>Iterative </a:t>
+            </a:r>
+            <a:r>
+              <a:rPr lang="en-US" sz="2400" dirty="0" smtClean="0"/>
+              <a:t>design</a:t>
+            </a:r>
+          </a:p>
+          <a:p>
+            <a:pPr lvl="1"/>
+            <a:r>
+              <a:rPr lang="en-US" sz="2400" dirty="0" smtClean="0"/>
+              <a:t>Cycle parameters</a:t>
+            </a:r>
+          </a:p>
+          <a:p>
+            <a:pPr lvl="1"/>
+            <a:r>
+              <a:rPr lang="en-US" sz="2400" dirty="0" smtClean="0"/>
+              <a:t>Design space</a:t>
+            </a:r>
+          </a:p>
+          <a:p>
+            <a:pPr lvl="1"/>
+            <a:r>
+              <a:rPr lang="en-US" sz="2400" dirty="0" smtClean="0"/>
+              <a:t>Mathematical modelling</a:t>
+            </a:r>
+          </a:p>
+          <a:p>
+            <a:pPr lvl="1"/>
+            <a:r>
+              <a:rPr lang="en-US" sz="2400" dirty="0" smtClean="0"/>
+              <a:t>Optimization</a:t>
+            </a:r>
+          </a:p>
+          <a:p>
+            <a:r>
+              <a:rPr lang="en-US" sz="2400" b="1" dirty="0" smtClean="0"/>
+              <a:t>Results</a:t>
+            </a:r>
+          </a:p>
+          <a:p>
+            <a:pPr lvl="1"/>
+            <a:r>
+              <a:rPr lang="en-US" sz="2400" dirty="0" smtClean="0"/>
+              <a:t>Design specifications</a:t>
+            </a:r>
+          </a:p>
+          <a:p>
+            <a:pPr lvl="1"/>
+            <a:r>
+              <a:rPr lang="en-US" sz="2400" dirty="0" smtClean="0"/>
+              <a:t>Assumptions</a:t>
+            </a:r>
+          </a:p>
+          <a:p>
+            <a:pPr lvl="1"/>
+            <a:r>
+              <a:rPr lang="en-US" sz="2400" dirty="0" smtClean="0"/>
+              <a:t>Discussion</a:t>
+            </a:r>
+          </a:p>
+          <a:p>
+            <a:pPr lvl="1"/>
+            <a:r>
+              <a:rPr lang="en-US" sz="2400" b="1" dirty="0" smtClean="0"/>
+              <a:t>Conclusion</a:t>
+            </a:r>
+          </a:p>
+        </p:txBody>
+      </p:sp>
+    </p:spTree>
+    <p:extLst>
+      <p:ext uri="{BB962C8B-B14F-4D97-AF65-F5344CB8AC3E}">
+        <p14:creationId xmlns:p14="http://schemas.microsoft.com/office/powerpoint/2010/main" val="2149395146"/>
+      </p:ext>
+    </p:extLst>
+  </p:cSld>
+  <p:clrMapOvr>
+    <a:masterClrMapping/>
+  </p:clrMapOvr>
+</p:sld>
+</file>
+
+<file path=ppt/slides/slide38.xml><?xml version="1.0" encoding="utf-8"?>
+<p:sld xmlns:a="http://schemas.openxmlformats.org/drawingml/2006/main" xmlns:r="http://schemas.openxmlformats.org/officeDocument/2006/relationships" xmlns:p="http://schemas.openxmlformats.org/presentationml/2006/main">
+  <p:cSld>
+    <p:spTree>
+      <p:nvGrpSpPr>
+        <p:cNvPr id="1" name=""/>
+        <p:cNvGrpSpPr/>
+        <p:nvPr/>
+      </p:nvGrpSpPr>
+      <p:grpSpPr>
+        <a:xfrm>
+          <a:off x="0" y="0"/>
+          <a:ext cx="0" cy="0"/>
+          <a:chOff x="0" y="0"/>
+          <a:chExt cx="0" cy="0"/>
+        </a:xfrm>
+      </p:grpSpPr>
+      <p:sp>
+        <p:nvSpPr>
+          <p:cNvPr id="2" name="Title 1"/>
+          <p:cNvSpPr>
+            <a:spLocks noGrp="1"/>
+          </p:cNvSpPr>
+          <p:nvPr>
+            <p:ph type="title"/>
+          </p:nvPr>
+        </p:nvSpPr>
+        <p:spPr/>
+        <p:txBody>
+          <a:bodyPr/>
+          <a:lstStyle/>
+          <a:p>
+            <a:endParaRPr lang="en-US"/>
+          </a:p>
+        </p:txBody>
+      </p:sp>
+      <p:sp>
+        <p:nvSpPr>
+          <p:cNvPr id="3" name="Content Placeholder 2"/>
+          <p:cNvSpPr>
+            <a:spLocks noGrp="1"/>
+          </p:cNvSpPr>
+          <p:nvPr>
+            <p:ph idx="1"/>
+          </p:nvPr>
+        </p:nvSpPr>
+        <p:spPr/>
+        <p:txBody>
+          <a:bodyPr/>
+          <a:lstStyle/>
+          <a:p>
+            <a:endParaRPr lang="en-US"/>
+          </a:p>
+        </p:txBody>
+      </p:sp>
+    </p:spTree>
+    <p:extLst>
+      <p:ext uri="{BB962C8B-B14F-4D97-AF65-F5344CB8AC3E}">
+        <p14:creationId xmlns:p14="http://schemas.microsoft.com/office/powerpoint/2010/main" val="3561850401"/>
       </p:ext>
     </p:extLst>
   </p:cSld>
@@ -8381,16 +9111,16 @@
             </a:r>
           </a:p>
           <a:p>
-            <a:pPr lvl="1"/>
-            <a:r>
-              <a:rPr lang="en-US" sz="2400" dirty="0" smtClean="0"/>
-              <a:t>Selection process</a:t>
-            </a:r>
-          </a:p>
-          <a:p>
-            <a:r>
-              <a:rPr lang="en-US" sz="2400" dirty="0" smtClean="0"/>
-              <a:t>Iterative design</a:t>
+            <a:endParaRPr lang="en-US" sz="2400" dirty="0" smtClean="0"/>
+          </a:p>
+          <a:p>
+            <a:r>
+              <a:rPr lang="en-US" sz="2400" dirty="0" smtClean="0"/>
+              <a:t>Iterative </a:t>
+            </a:r>
+            <a:r>
+              <a:rPr lang="en-US" sz="2400" dirty="0" smtClean="0"/>
+              <a:t>design</a:t>
             </a:r>
           </a:p>
           <a:p>

--- a/Proposal/Proposal presentation.pptx
+++ b/Proposal/Proposal presentation.pptx
@@ -34,15 +34,14 @@
     <p:sldId id="269" r:id="rId28"/>
     <p:sldId id="290" r:id="rId29"/>
     <p:sldId id="270" r:id="rId30"/>
-    <p:sldId id="291" r:id="rId31"/>
-    <p:sldId id="271" r:id="rId32"/>
-    <p:sldId id="292" r:id="rId33"/>
-    <p:sldId id="272" r:id="rId34"/>
-    <p:sldId id="293" r:id="rId35"/>
-    <p:sldId id="273" r:id="rId36"/>
-    <p:sldId id="294" r:id="rId37"/>
-    <p:sldId id="274" r:id="rId38"/>
-    <p:sldId id="295" r:id="rId39"/>
+    <p:sldId id="271" r:id="rId31"/>
+    <p:sldId id="292" r:id="rId32"/>
+    <p:sldId id="272" r:id="rId33"/>
+    <p:sldId id="293" r:id="rId34"/>
+    <p:sldId id="273" r:id="rId35"/>
+    <p:sldId id="294" r:id="rId36"/>
+    <p:sldId id="274" r:id="rId37"/>
+    <p:sldId id="295" r:id="rId38"/>
   </p:sldIdLst>
   <p:sldSz cx="9144000" cy="6858000" type="screen4x3"/>
   <p:notesSz cx="6858000" cy="9144000"/>
@@ -173,7 +172,7 @@
   </p:defaultTextStyle>
   <p:extLst>
     <p:ext uri="{EFAFB233-063F-42B5-8137-9DF3F51BA10A}">
-      <p15:sldGuideLst xmlns="" xmlns:p15="http://schemas.microsoft.com/office/powerpoint/2012/main">
+      <p15:sldGuideLst xmlns:p15="http://schemas.microsoft.com/office/powerpoint/2012/main" xmlns="">
         <p15:guide id="1" orient="horz" pos="2160">
           <p15:clr>
             <a:srgbClr val="A4A3A4"/>
@@ -381,7 +380,7 @@
               <a:pPr>
                 <a:defRPr/>
               </a:pPr>
-              <a:t>2/19/2019</a:t>
+              <a:t>2/21/2019</a:t>
             </a:fld>
             <a:endParaRPr lang="en-US"/>
           </a:p>
@@ -578,7 +577,7 @@
               <a:pPr>
                 <a:defRPr/>
               </a:pPr>
-              <a:t>2/19/2019</a:t>
+              <a:t>2/21/2019</a:t>
             </a:fld>
             <a:endParaRPr lang="en-US"/>
           </a:p>
@@ -785,7 +784,7 @@
               <a:pPr>
                 <a:defRPr/>
               </a:pPr>
-              <a:t>2/19/2019</a:t>
+              <a:t>2/21/2019</a:t>
             </a:fld>
             <a:endParaRPr lang="en-US"/>
           </a:p>
@@ -982,7 +981,7 @@
               <a:pPr>
                 <a:defRPr/>
               </a:pPr>
-              <a:t>2/19/2019</a:t>
+              <a:t>2/21/2019</a:t>
             </a:fld>
             <a:endParaRPr lang="en-US"/>
           </a:p>
@@ -1255,7 +1254,7 @@
               <a:pPr>
                 <a:defRPr/>
               </a:pPr>
-              <a:t>2/19/2019</a:t>
+              <a:t>2/21/2019</a:t>
             </a:fld>
             <a:endParaRPr lang="en-US"/>
           </a:p>
@@ -1570,7 +1569,7 @@
               <a:pPr>
                 <a:defRPr/>
               </a:pPr>
-              <a:t>2/19/2019</a:t>
+              <a:t>2/21/2019</a:t>
             </a:fld>
             <a:endParaRPr lang="en-US"/>
           </a:p>
@@ -2019,7 +2018,7 @@
               <a:pPr>
                 <a:defRPr/>
               </a:pPr>
-              <a:t>2/19/2019</a:t>
+              <a:t>2/21/2019</a:t>
             </a:fld>
             <a:endParaRPr lang="en-US"/>
           </a:p>
@@ -2164,7 +2163,7 @@
               <a:pPr>
                 <a:defRPr/>
               </a:pPr>
-              <a:t>2/19/2019</a:t>
+              <a:t>2/21/2019</a:t>
             </a:fld>
             <a:endParaRPr lang="en-US"/>
           </a:p>
@@ -2286,7 +2285,7 @@
               <a:pPr>
                 <a:defRPr/>
               </a:pPr>
-              <a:t>2/19/2019</a:t>
+              <a:t>2/21/2019</a:t>
             </a:fld>
             <a:endParaRPr lang="en-US"/>
           </a:p>
@@ -2590,7 +2589,7 @@
               <a:pPr>
                 <a:defRPr/>
               </a:pPr>
-              <a:t>2/19/2019</a:t>
+              <a:t>2/21/2019</a:t>
             </a:fld>
             <a:endParaRPr lang="en-US"/>
           </a:p>
@@ -2877,7 +2876,7 @@
               <a:pPr>
                 <a:defRPr/>
               </a:pPr>
-              <a:t>2/19/2019</a:t>
+              <a:t>2/21/2019</a:t>
             </a:fld>
             <a:endParaRPr lang="en-US"/>
           </a:p>
@@ -3177,7 +3176,7 @@
               <a:pPr>
                 <a:defRPr/>
               </a:pPr>
-              <a:t>2/19/2019</a:t>
+              <a:t>2/21/2019</a:t>
             </a:fld>
             <a:endParaRPr lang="en-US"/>
           </a:p>
@@ -4024,11 +4023,7 @@
           <a:p>
             <a:r>
               <a:rPr lang="en-US" sz="2400" dirty="0" smtClean="0"/>
-              <a:t>Iterative </a:t>
-            </a:r>
-            <a:r>
-              <a:rPr lang="en-US" sz="2400" dirty="0" smtClean="0"/>
-              <a:t>design</a:t>
+              <a:t>Iterative design</a:t>
             </a:r>
           </a:p>
           <a:p>
@@ -4358,11 +4353,7 @@
           <a:p>
             <a:r>
               <a:rPr lang="en-US" sz="2400" dirty="0" smtClean="0"/>
-              <a:t>Iterative </a:t>
-            </a:r>
-            <a:r>
-              <a:rPr lang="en-US" sz="2400" dirty="0" smtClean="0"/>
-              <a:t>design</a:t>
+              <a:t>Iterative design</a:t>
             </a:r>
           </a:p>
           <a:p>
@@ -4741,11 +4732,7 @@
           <a:p>
             <a:r>
               <a:rPr lang="en-US" sz="2400" dirty="0" smtClean="0"/>
-              <a:t>Iterative </a:t>
-            </a:r>
-            <a:r>
-              <a:rPr lang="en-US" sz="2400" dirty="0" smtClean="0"/>
-              <a:t>design</a:t>
+              <a:t>Iterative design</a:t>
             </a:r>
           </a:p>
           <a:p>
@@ -5061,11 +5048,7 @@
           <a:p>
             <a:r>
               <a:rPr lang="en-US" sz="2400" dirty="0" smtClean="0"/>
-              <a:t>Iterative </a:t>
-            </a:r>
-            <a:r>
-              <a:rPr lang="en-US" sz="2400" dirty="0" smtClean="0"/>
-              <a:t>design</a:t>
+              <a:t>Iterative design</a:t>
             </a:r>
           </a:p>
           <a:p>
@@ -5381,11 +5364,7 @@
           <a:p>
             <a:r>
               <a:rPr lang="en-US" sz="2400" dirty="0" smtClean="0"/>
-              <a:t>Iterative </a:t>
-            </a:r>
-            <a:r>
-              <a:rPr lang="en-US" sz="2400" dirty="0" smtClean="0"/>
-              <a:t>design</a:t>
+              <a:t>Iterative design</a:t>
             </a:r>
           </a:p>
           <a:p>
@@ -5933,11 +5912,7 @@
           <a:p>
             <a:r>
               <a:rPr lang="en-US" sz="2400" dirty="0" smtClean="0"/>
-              <a:t>Iterative </a:t>
-            </a:r>
-            <a:r>
-              <a:rPr lang="en-US" sz="2400" dirty="0" smtClean="0"/>
-              <a:t>design</a:t>
+              <a:t>Iterative design</a:t>
             </a:r>
           </a:p>
           <a:p>
@@ -6289,11 +6264,7 @@
           <a:p>
             <a:r>
               <a:rPr lang="en-US" sz="2400" b="1" dirty="0" smtClean="0"/>
-              <a:t>Iterative </a:t>
-            </a:r>
-            <a:r>
-              <a:rPr lang="en-US" sz="2400" b="1" dirty="0" smtClean="0"/>
-              <a:t>design</a:t>
+              <a:t>Iterative design</a:t>
             </a:r>
           </a:p>
           <a:p>
@@ -6405,7 +6376,11 @@
           <a:bodyPr/>
           <a:lstStyle/>
           <a:p>
-            <a:endParaRPr lang="en-US"/>
+            <a:r>
+              <a:rPr lang="en-US" dirty="0" smtClean="0"/>
+              <a:t>Cycle parameters</a:t>
+            </a:r>
+            <a:endParaRPr lang="en-US" dirty="0"/>
           </a:p>
         </p:txBody>
       </p:sp>
@@ -6424,7 +6399,47 @@
           <a:bodyPr/>
           <a:lstStyle/>
           <a:p>
-            <a:endParaRPr lang="en-US"/>
+            <a:r>
+              <a:rPr lang="en-US" dirty="0" smtClean="0"/>
+              <a:t>Working fluid</a:t>
+            </a:r>
+          </a:p>
+          <a:p>
+            <a:r>
+              <a:rPr lang="en-US" dirty="0" smtClean="0"/>
+              <a:t>Mass flow rate</a:t>
+            </a:r>
+          </a:p>
+          <a:p>
+            <a:r>
+              <a:rPr lang="en-US" dirty="0" smtClean="0"/>
+              <a:t>Working pressure &amp; temperature of boiler</a:t>
+            </a:r>
+          </a:p>
+          <a:p>
+            <a:r>
+              <a:rPr lang="en-US" dirty="0" smtClean="0"/>
+              <a:t>Working pressure &amp; temperature of condenser</a:t>
+            </a:r>
+          </a:p>
+          <a:p>
+            <a:r>
+              <a:rPr lang="en-US" dirty="0" smtClean="0"/>
+              <a:t>Surface area of heat exchangers</a:t>
+            </a:r>
+          </a:p>
+          <a:p>
+            <a:r>
+              <a:rPr lang="en-US" dirty="0" smtClean="0"/>
+              <a:t>Turbine stages</a:t>
+            </a:r>
+          </a:p>
+          <a:p>
+            <a:r>
+              <a:rPr lang="en-US" dirty="0" smtClean="0"/>
+              <a:t>Turbine blade size/shape/angle</a:t>
+            </a:r>
+            <a:endParaRPr lang="en-US" dirty="0"/>
           </a:p>
         </p:txBody>
       </p:sp>
@@ -6585,11 +6600,7 @@
           <a:p>
             <a:r>
               <a:rPr lang="en-US" sz="2400" b="1" dirty="0" smtClean="0"/>
-              <a:t>Iterative </a:t>
-            </a:r>
-            <a:r>
-              <a:rPr lang="en-US" sz="2400" b="1" dirty="0" smtClean="0"/>
-              <a:t>design</a:t>
+              <a:t>Iterative design</a:t>
             </a:r>
           </a:p>
           <a:p>
@@ -6696,34 +6707,75 @@
             <p:ph type="title"/>
           </p:nvPr>
         </p:nvSpPr>
-        <p:spPr/>
+        <p:spPr>
+          <a:xfrm>
+            <a:off x="457200" y="274638"/>
+            <a:ext cx="8229600" cy="1858962"/>
+          </a:xfrm>
+        </p:spPr>
         <p:txBody>
           <a:bodyPr/>
           <a:lstStyle/>
           <a:p>
-            <a:endParaRPr lang="en-US"/>
-          </a:p>
-        </p:txBody>
-      </p:sp>
-      <p:sp>
-        <p:nvSpPr>
-          <p:cNvPr id="3" name="Content Placeholder 2"/>
-          <p:cNvSpPr>
-            <a:spLocks noGrp="1"/>
-          </p:cNvSpPr>
-          <p:nvPr>
-            <p:ph idx="1"/>
-          </p:nvPr>
-        </p:nvSpPr>
-        <p:spPr/>
-        <p:txBody>
-          <a:bodyPr/>
-          <a:lstStyle/>
-          <a:p>
-            <a:endParaRPr lang="en-US"/>
-          </a:p>
-        </p:txBody>
-      </p:sp>
+            <a:r>
+              <a:rPr lang="en-US" dirty="0" smtClean="0"/>
+              <a:t>Working pressure and</a:t>
+            </a:r>
+            <a:br>
+              <a:rPr lang="en-US" dirty="0" smtClean="0"/>
+            </a:br>
+            <a:r>
+              <a:rPr lang="en-US" dirty="0" smtClean="0"/>
+              <a:t>temperature preliminary results</a:t>
+            </a:r>
+            <a:endParaRPr lang="en-US" dirty="0"/>
+          </a:p>
+        </p:txBody>
+      </p:sp>
+      <p:pic>
+        <p:nvPicPr>
+          <p:cNvPr id="4" name="Picture 3"/>
+          <p:cNvPicPr/>
+          <p:nvPr/>
+        </p:nvPicPr>
+        <p:blipFill>
+          <a:blip r:embed="rId2"/>
+          <a:stretch>
+            <a:fillRect/>
+          </a:stretch>
+        </p:blipFill>
+        <p:spPr>
+          <a:xfrm>
+            <a:off x="228600" y="2133600"/>
+            <a:ext cx="4438934" cy="3886200"/>
+          </a:xfrm>
+          <a:prstGeom prst="rect">
+            <a:avLst/>
+          </a:prstGeom>
+        </p:spPr>
+      </p:pic>
+      <p:pic>
+        <p:nvPicPr>
+          <p:cNvPr id="5" name="Picture 4"/>
+          <p:cNvPicPr/>
+          <p:nvPr/>
+        </p:nvPicPr>
+        <p:blipFill>
+          <a:blip r:embed="rId3"/>
+          <a:stretch>
+            <a:fillRect/>
+          </a:stretch>
+        </p:blipFill>
+        <p:spPr>
+          <a:xfrm>
+            <a:off x="4635689" y="2133600"/>
+            <a:ext cx="4343400" cy="3886200"/>
+          </a:xfrm>
+          <a:prstGeom prst="rect">
+            <a:avLst/>
+          </a:prstGeom>
+        </p:spPr>
+      </p:pic>
     </p:spTree>
     <p:extLst>
       <p:ext uri="{BB962C8B-B14F-4D97-AF65-F5344CB8AC3E}">
@@ -6881,11 +6933,7 @@
           <a:p>
             <a:r>
               <a:rPr lang="en-US" sz="2400" b="1" dirty="0" smtClean="0"/>
-              <a:t>Iterative </a:t>
-            </a:r>
-            <a:r>
-              <a:rPr lang="en-US" sz="2400" b="1" dirty="0" smtClean="0"/>
-              <a:t>design</a:t>
+              <a:t>Iterative design</a:t>
             </a:r>
           </a:p>
           <a:p>
@@ -6997,29 +7045,42 @@
           <a:bodyPr/>
           <a:lstStyle/>
           <a:p>
-            <a:endParaRPr lang="en-US"/>
-          </a:p>
-        </p:txBody>
-      </p:sp>
-      <p:sp>
-        <p:nvSpPr>
-          <p:cNvPr id="3" name="Content Placeholder 2"/>
-          <p:cNvSpPr>
-            <a:spLocks noGrp="1"/>
-          </p:cNvSpPr>
-          <p:nvPr>
-            <p:ph idx="1"/>
-          </p:nvPr>
-        </p:nvSpPr>
-        <p:spPr/>
-        <p:txBody>
-          <a:bodyPr/>
-          <a:lstStyle/>
-          <a:p>
-            <a:endParaRPr lang="en-US"/>
-          </a:p>
-        </p:txBody>
-      </p:sp>
+            <a:r>
+              <a:rPr lang="en-US" dirty="0" smtClean="0"/>
+              <a:t>Proposed modelling</a:t>
+            </a:r>
+            <a:endParaRPr lang="en-US" dirty="0"/>
+          </a:p>
+        </p:txBody>
+      </p:sp>
+      <p:pic>
+        <p:nvPicPr>
+          <p:cNvPr id="4" name="Picture 3"/>
+          <p:cNvPicPr/>
+          <p:nvPr/>
+        </p:nvPicPr>
+        <p:blipFill>
+          <a:blip r:embed="rId2">
+            <a:extLst>
+              <a:ext uri="{28A0092B-C50C-407E-A947-70E740481C1C}">
+                <a14:useLocalDpi xmlns:a14="http://schemas.microsoft.com/office/drawing/2010/main" val="0"/>
+              </a:ext>
+            </a:extLst>
+          </a:blip>
+          <a:stretch>
+            <a:fillRect/>
+          </a:stretch>
+        </p:blipFill>
+        <p:spPr>
+          <a:xfrm>
+            <a:off x="1981200" y="1676400"/>
+            <a:ext cx="5200650" cy="4714558"/>
+          </a:xfrm>
+          <a:prstGeom prst="rect">
+            <a:avLst/>
+          </a:prstGeom>
+        </p:spPr>
+      </p:pic>
     </p:spTree>
     <p:extLst>
       <p:ext uri="{BB962C8B-B14F-4D97-AF65-F5344CB8AC3E}">
@@ -7177,11 +7238,7 @@
           <a:p>
             <a:r>
               <a:rPr lang="en-US" sz="2400" b="1" dirty="0" smtClean="0"/>
-              <a:t>Iterative </a:t>
-            </a:r>
-            <a:r>
-              <a:rPr lang="en-US" sz="2400" b="1" dirty="0" smtClean="0"/>
-              <a:t>design</a:t>
+              <a:t>Iterative design</a:t>
             </a:r>
           </a:p>
           <a:p>
@@ -7408,11 +7465,7 @@
           <a:p>
             <a:r>
               <a:rPr lang="en-US" sz="2400" dirty="0" smtClean="0"/>
-              <a:t>Iterative </a:t>
-            </a:r>
-            <a:r>
-              <a:rPr lang="en-US" sz="2400" dirty="0" smtClean="0"/>
-              <a:t>design</a:t>
+              <a:t>Iterative design</a:t>
             </a:r>
           </a:p>
           <a:p>
@@ -7519,12 +7572,21 @@
             <p:ph type="title"/>
           </p:nvPr>
         </p:nvSpPr>
-        <p:spPr/>
+        <p:spPr>
+          <a:xfrm>
+            <a:off x="457200" y="0"/>
+            <a:ext cx="8229600" cy="838200"/>
+          </a:xfrm>
+        </p:spPr>
         <p:txBody>
           <a:bodyPr/>
           <a:lstStyle/>
           <a:p>
-            <a:endParaRPr lang="en-US"/>
+            <a:r>
+              <a:rPr lang="en-US" dirty="0" smtClean="0"/>
+              <a:t>Outline</a:t>
+            </a:r>
+            <a:endParaRPr lang="en-US" dirty="0"/>
           </a:p>
         </p:txBody>
       </p:sp>
@@ -7538,19 +7600,166 @@
             <p:ph idx="1"/>
           </p:nvPr>
         </p:nvSpPr>
-        <p:spPr/>
-        <p:txBody>
-          <a:bodyPr/>
+        <p:spPr>
+          <a:xfrm>
+            <a:off x="533400" y="838200"/>
+            <a:ext cx="8229600" cy="5791200"/>
+          </a:xfrm>
+        </p:spPr>
+        <p:txBody>
+          <a:bodyPr numCol="2"/>
           <a:lstStyle/>
           <a:p>
-            <a:endParaRPr lang="en-US"/>
+            <a:r>
+              <a:rPr lang="en-US" sz="2400" dirty="0" smtClean="0"/>
+              <a:t>Waste heat recovery</a:t>
+            </a:r>
+          </a:p>
+          <a:p>
+            <a:pPr lvl="1"/>
+            <a:r>
+              <a:rPr lang="en-US" sz="2400" dirty="0" smtClean="0"/>
+              <a:t>Sources</a:t>
+            </a:r>
+          </a:p>
+          <a:p>
+            <a:pPr lvl="1"/>
+            <a:r>
+              <a:rPr lang="en-US" sz="2400" dirty="0" smtClean="0"/>
+              <a:t>Recovery techniques</a:t>
+            </a:r>
+          </a:p>
+          <a:p>
+            <a:pPr lvl="1"/>
+            <a:r>
+              <a:rPr lang="en-US" sz="2400" dirty="0" smtClean="0"/>
+              <a:t>Technical hurdles</a:t>
+            </a:r>
+          </a:p>
+          <a:p>
+            <a:r>
+              <a:rPr lang="en-US" sz="2400" dirty="0" smtClean="0"/>
+              <a:t>Thermodynamic cycles</a:t>
+            </a:r>
+          </a:p>
+          <a:p>
+            <a:pPr lvl="1"/>
+            <a:r>
+              <a:rPr lang="en-US" sz="2400" dirty="0" smtClean="0"/>
+              <a:t>Rankine cycle</a:t>
+            </a:r>
+          </a:p>
+          <a:p>
+            <a:pPr lvl="1"/>
+            <a:r>
+              <a:rPr lang="en-US" sz="2400" dirty="0" smtClean="0"/>
+              <a:t>Organic Rankine cycle</a:t>
+            </a:r>
+          </a:p>
+          <a:p>
+            <a:pPr lvl="1"/>
+            <a:r>
+              <a:rPr lang="en-US" sz="2400" dirty="0" smtClean="0"/>
+              <a:t>Kalina cycle</a:t>
+            </a:r>
+          </a:p>
+          <a:p>
+            <a:r>
+              <a:rPr lang="en-US" sz="2400" dirty="0" smtClean="0"/>
+              <a:t>Automotive application</a:t>
+            </a:r>
+          </a:p>
+          <a:p>
+            <a:pPr lvl="1"/>
+            <a:r>
+              <a:rPr lang="en-US" sz="2400" dirty="0" smtClean="0"/>
+              <a:t>Special design considerations</a:t>
+            </a:r>
+          </a:p>
+          <a:p>
+            <a:pPr lvl="1"/>
+            <a:r>
+              <a:rPr lang="en-US" sz="2400" dirty="0" smtClean="0"/>
+              <a:t>Heat sources</a:t>
+            </a:r>
+          </a:p>
+          <a:p>
+            <a:endParaRPr lang="en-US" sz="2400" dirty="0" smtClean="0"/>
+          </a:p>
+          <a:p>
+            <a:r>
+              <a:rPr lang="en-US" sz="2400" dirty="0" smtClean="0"/>
+              <a:t>Iterative design</a:t>
+            </a:r>
+          </a:p>
+          <a:p>
+            <a:pPr lvl="1"/>
+            <a:r>
+              <a:rPr lang="en-US" sz="2400" dirty="0" smtClean="0"/>
+              <a:t>Cycle parameters</a:t>
+            </a:r>
+          </a:p>
+          <a:p>
+            <a:pPr lvl="1"/>
+            <a:r>
+              <a:rPr lang="en-US" sz="2400" dirty="0" smtClean="0"/>
+              <a:t>Design space</a:t>
+            </a:r>
+          </a:p>
+          <a:p>
+            <a:pPr lvl="1"/>
+            <a:r>
+              <a:rPr lang="en-US" sz="2400" dirty="0" smtClean="0"/>
+              <a:t>Mathematical modelling</a:t>
+            </a:r>
+          </a:p>
+          <a:p>
+            <a:pPr lvl="1"/>
+            <a:r>
+              <a:rPr lang="en-US" sz="2400" dirty="0" smtClean="0"/>
+              <a:t>Optimization</a:t>
+            </a:r>
+          </a:p>
+          <a:p>
+            <a:r>
+              <a:rPr lang="en-US" sz="2400" b="1" dirty="0" smtClean="0"/>
+              <a:t>Results</a:t>
+            </a:r>
+          </a:p>
+          <a:p>
+            <a:pPr lvl="1"/>
+            <a:r>
+              <a:rPr lang="en-US" sz="2400" b="1" dirty="0" smtClean="0"/>
+              <a:t>Design specifications</a:t>
+            </a:r>
+          </a:p>
+          <a:p>
+            <a:pPr lvl="1"/>
+            <a:r>
+              <a:rPr lang="en-US" sz="2400" dirty="0" smtClean="0"/>
+              <a:t>Assumptions</a:t>
+            </a:r>
+          </a:p>
+          <a:p>
+            <a:pPr lvl="1"/>
+            <a:r>
+              <a:rPr lang="en-US" sz="2400" dirty="0" smtClean="0"/>
+              <a:t>Discussion</a:t>
+            </a:r>
+          </a:p>
+          <a:p>
+            <a:pPr lvl="1"/>
+            <a:r>
+              <a:rPr lang="en-US" sz="2400" dirty="0" smtClean="0"/>
+              <a:t>Conclusion</a:t>
+            </a:r>
           </a:p>
         </p:txBody>
       </p:sp>
     </p:spTree>
     <p:extLst>
       <p:ext uri="{BB962C8B-B14F-4D97-AF65-F5344CB8AC3E}">
-        <p14:creationId xmlns:p14="http://schemas.microsoft.com/office/powerpoint/2010/main" val="231328840"/>
+        <p14:creationId xmlns:p14="http://schemas.microsoft.com/office/powerpoint/2010/main" val="2149395146"/>
       </p:ext>
     </p:extLst>
   </p:cSld>
@@ -7587,198 +7796,53 @@
             <p:ph type="title"/>
           </p:nvPr>
         </p:nvSpPr>
+        <p:spPr/>
+        <p:txBody>
+          <a:bodyPr/>
+          <a:lstStyle/>
+          <a:p>
+            <a:r>
+              <a:rPr lang="en-US" dirty="0" smtClean="0"/>
+              <a:t>Design specifications</a:t>
+            </a:r>
+            <a:endParaRPr lang="en-US" dirty="0"/>
+          </a:p>
+        </p:txBody>
+      </p:sp>
+      <p:sp>
+        <p:nvSpPr>
+          <p:cNvPr id="4" name="TextBox 3"/>
+          <p:cNvSpPr txBox="1"/>
+          <p:nvPr/>
+        </p:nvSpPr>
         <p:spPr>
           <a:xfrm>
-            <a:off x="457200" y="0"/>
-            <a:ext cx="8229600" cy="838200"/>
+            <a:off x="838200" y="1295400"/>
+            <a:ext cx="7543800" cy="646331"/>
           </a:xfrm>
+          <a:prstGeom prst="rect">
+            <a:avLst/>
+          </a:prstGeom>
+          <a:noFill/>
         </p:spPr>
         <p:txBody>
-          <a:bodyPr/>
+          <a:bodyPr wrap="square" rtlCol="0">
+            <a:spAutoFit/>
+          </a:bodyPr>
           <a:lstStyle/>
           <a:p>
             <a:r>
               <a:rPr lang="en-US" dirty="0" smtClean="0"/>
-              <a:t>Outline</a:t>
+              <a:t>The results of optimizing the mathematical model will be used to inform the design specifications for prototyping and iterative design</a:t>
             </a:r>
             <a:endParaRPr lang="en-US" dirty="0"/>
-          </a:p>
-        </p:txBody>
-      </p:sp>
-      <p:sp>
-        <p:nvSpPr>
-          <p:cNvPr id="3" name="Content Placeholder 2"/>
-          <p:cNvSpPr>
-            <a:spLocks noGrp="1"/>
-          </p:cNvSpPr>
-          <p:nvPr>
-            <p:ph idx="1"/>
-          </p:nvPr>
-        </p:nvSpPr>
-        <p:spPr>
-          <a:xfrm>
-            <a:off x="533400" y="838200"/>
-            <a:ext cx="8229600" cy="5791200"/>
-          </a:xfrm>
-        </p:spPr>
-        <p:txBody>
-          <a:bodyPr numCol="2"/>
-          <a:lstStyle/>
-          <a:p>
-            <a:r>
-              <a:rPr lang="en-US" sz="2400" dirty="0" smtClean="0"/>
-              <a:t>Waste heat recovery</a:t>
-            </a:r>
-          </a:p>
-          <a:p>
-            <a:pPr lvl="1"/>
-            <a:r>
-              <a:rPr lang="en-US" sz="2400" dirty="0" smtClean="0"/>
-              <a:t>Sources</a:t>
-            </a:r>
-          </a:p>
-          <a:p>
-            <a:pPr lvl="1"/>
-            <a:r>
-              <a:rPr lang="en-US" sz="2400" dirty="0" smtClean="0"/>
-              <a:t>Recovery techniques</a:t>
-            </a:r>
-          </a:p>
-          <a:p>
-            <a:pPr lvl="1"/>
-            <a:r>
-              <a:rPr lang="en-US" sz="2400" dirty="0" smtClean="0"/>
-              <a:t>Technical hurdles</a:t>
-            </a:r>
-          </a:p>
-          <a:p>
-            <a:r>
-              <a:rPr lang="en-US" sz="2400" dirty="0" smtClean="0"/>
-              <a:t>Thermodynamic cycles</a:t>
-            </a:r>
-          </a:p>
-          <a:p>
-            <a:pPr lvl="1"/>
-            <a:r>
-              <a:rPr lang="en-US" sz="2400" dirty="0" smtClean="0"/>
-              <a:t>Rankine cycle</a:t>
-            </a:r>
-          </a:p>
-          <a:p>
-            <a:pPr lvl="1"/>
-            <a:r>
-              <a:rPr lang="en-US" sz="2400" dirty="0" smtClean="0"/>
-              <a:t>Organic Rankine cycle</a:t>
-            </a:r>
-          </a:p>
-          <a:p>
-            <a:pPr lvl="1"/>
-            <a:r>
-              <a:rPr lang="en-US" sz="2400" dirty="0" smtClean="0"/>
-              <a:t>Kalina cycle</a:t>
-            </a:r>
-          </a:p>
-          <a:p>
-            <a:r>
-              <a:rPr lang="en-US" sz="2400" dirty="0" smtClean="0"/>
-              <a:t>Automotive application</a:t>
-            </a:r>
-          </a:p>
-          <a:p>
-            <a:pPr lvl="1"/>
-            <a:r>
-              <a:rPr lang="en-US" sz="2400" dirty="0" smtClean="0"/>
-              <a:t>Special design considerations</a:t>
-            </a:r>
-          </a:p>
-          <a:p>
-            <a:pPr lvl="1"/>
-            <a:r>
-              <a:rPr lang="en-US" sz="2400" dirty="0" smtClean="0"/>
-              <a:t>Heat sources</a:t>
-            </a:r>
-          </a:p>
-          <a:p>
-            <a:endParaRPr lang="en-US" sz="2400" dirty="0" smtClean="0"/>
-          </a:p>
-          <a:p>
-            <a:r>
-              <a:rPr lang="en-US" sz="2400" dirty="0" smtClean="0"/>
-              <a:t>Iterative </a:t>
-            </a:r>
-            <a:r>
-              <a:rPr lang="en-US" sz="2400" dirty="0" smtClean="0"/>
-              <a:t>design</a:t>
-            </a:r>
-          </a:p>
-          <a:p>
-            <a:pPr lvl="1"/>
-            <a:r>
-              <a:rPr lang="en-US" sz="2400" dirty="0" smtClean="0"/>
-              <a:t>Cycle parameters</a:t>
-            </a:r>
-          </a:p>
-          <a:p>
-            <a:pPr lvl="1"/>
-            <a:r>
-              <a:rPr lang="en-US" sz="2400" dirty="0" smtClean="0"/>
-              <a:t>Design space</a:t>
-            </a:r>
-          </a:p>
-          <a:p>
-            <a:pPr lvl="1"/>
-            <a:r>
-              <a:rPr lang="en-US" sz="2400" dirty="0" smtClean="0"/>
-              <a:t>Mathematical modelling</a:t>
-            </a:r>
-          </a:p>
-          <a:p>
-            <a:pPr lvl="1"/>
-            <a:r>
-              <a:rPr lang="en-US" sz="2400" dirty="0" smtClean="0"/>
-              <a:t>Optimization</a:t>
-            </a:r>
-          </a:p>
-          <a:p>
-            <a:r>
-              <a:rPr lang="en-US" sz="2400" b="1" dirty="0" smtClean="0"/>
-              <a:t>Results</a:t>
-            </a:r>
-          </a:p>
-          <a:p>
-            <a:pPr lvl="1"/>
-            <a:r>
-              <a:rPr lang="en-US" sz="2400" b="1" dirty="0" smtClean="0"/>
-              <a:t>Design specifications</a:t>
-            </a:r>
-          </a:p>
-          <a:p>
-            <a:pPr lvl="1"/>
-            <a:r>
-              <a:rPr lang="en-US" sz="2400" dirty="0" smtClean="0"/>
-              <a:t>Assumptions</a:t>
-            </a:r>
-          </a:p>
-          <a:p>
-            <a:pPr lvl="1"/>
-            <a:r>
-              <a:rPr lang="en-US" sz="2400" dirty="0" smtClean="0"/>
-              <a:t>Discussion</a:t>
-            </a:r>
-          </a:p>
-          <a:p>
-            <a:pPr lvl="1"/>
-            <a:r>
-              <a:rPr lang="en-US" sz="2400" dirty="0" smtClean="0"/>
-              <a:t>Conclusion</a:t>
-            </a:r>
           </a:p>
         </p:txBody>
       </p:sp>
     </p:spTree>
     <p:extLst>
       <p:ext uri="{BB962C8B-B14F-4D97-AF65-F5344CB8AC3E}">
-        <p14:creationId xmlns:p14="http://schemas.microsoft.com/office/powerpoint/2010/main" val="2149395146"/>
+        <p14:creationId xmlns:p14="http://schemas.microsoft.com/office/powerpoint/2010/main" val="3682436500"/>
       </p:ext>
     </p:extLst>
   </p:cSld>
@@ -7815,12 +7879,21 @@
             <p:ph type="title"/>
           </p:nvPr>
         </p:nvSpPr>
-        <p:spPr/>
+        <p:spPr>
+          <a:xfrm>
+            <a:off x="457200" y="0"/>
+            <a:ext cx="8229600" cy="838200"/>
+          </a:xfrm>
+        </p:spPr>
         <p:txBody>
           <a:bodyPr/>
           <a:lstStyle/>
           <a:p>
-            <a:endParaRPr lang="en-US"/>
+            <a:r>
+              <a:rPr lang="en-US" dirty="0" smtClean="0"/>
+              <a:t>Outline</a:t>
+            </a:r>
+            <a:endParaRPr lang="en-US" dirty="0"/>
           </a:p>
         </p:txBody>
       </p:sp>
@@ -7834,19 +7907,166 @@
             <p:ph idx="1"/>
           </p:nvPr>
         </p:nvSpPr>
-        <p:spPr/>
-        <p:txBody>
-          <a:bodyPr/>
+        <p:spPr>
+          <a:xfrm>
+            <a:off x="533400" y="838200"/>
+            <a:ext cx="8229600" cy="5791200"/>
+          </a:xfrm>
+        </p:spPr>
+        <p:txBody>
+          <a:bodyPr numCol="2"/>
           <a:lstStyle/>
           <a:p>
-            <a:endParaRPr lang="en-US"/>
+            <a:r>
+              <a:rPr lang="en-US" sz="2400" dirty="0" smtClean="0"/>
+              <a:t>Waste heat recovery</a:t>
+            </a:r>
+          </a:p>
+          <a:p>
+            <a:pPr lvl="1"/>
+            <a:r>
+              <a:rPr lang="en-US" sz="2400" dirty="0" smtClean="0"/>
+              <a:t>Sources</a:t>
+            </a:r>
+          </a:p>
+          <a:p>
+            <a:pPr lvl="1"/>
+            <a:r>
+              <a:rPr lang="en-US" sz="2400" dirty="0" smtClean="0"/>
+              <a:t>Recovery techniques</a:t>
+            </a:r>
+          </a:p>
+          <a:p>
+            <a:pPr lvl="1"/>
+            <a:r>
+              <a:rPr lang="en-US" sz="2400" dirty="0" smtClean="0"/>
+              <a:t>Technical hurdles</a:t>
+            </a:r>
+          </a:p>
+          <a:p>
+            <a:r>
+              <a:rPr lang="en-US" sz="2400" dirty="0" smtClean="0"/>
+              <a:t>Thermodynamic cycles</a:t>
+            </a:r>
+          </a:p>
+          <a:p>
+            <a:pPr lvl="1"/>
+            <a:r>
+              <a:rPr lang="en-US" sz="2400" dirty="0" smtClean="0"/>
+              <a:t>Rankine cycle</a:t>
+            </a:r>
+          </a:p>
+          <a:p>
+            <a:pPr lvl="1"/>
+            <a:r>
+              <a:rPr lang="en-US" sz="2400" dirty="0" smtClean="0"/>
+              <a:t>Organic Rankine cycle</a:t>
+            </a:r>
+          </a:p>
+          <a:p>
+            <a:pPr lvl="1"/>
+            <a:r>
+              <a:rPr lang="en-US" sz="2400" dirty="0" smtClean="0"/>
+              <a:t>Kalina cycle</a:t>
+            </a:r>
+          </a:p>
+          <a:p>
+            <a:r>
+              <a:rPr lang="en-US" sz="2400" dirty="0" smtClean="0"/>
+              <a:t>Automotive application</a:t>
+            </a:r>
+          </a:p>
+          <a:p>
+            <a:pPr lvl="1"/>
+            <a:r>
+              <a:rPr lang="en-US" sz="2400" dirty="0" smtClean="0"/>
+              <a:t>Special design considerations</a:t>
+            </a:r>
+          </a:p>
+          <a:p>
+            <a:pPr lvl="1"/>
+            <a:r>
+              <a:rPr lang="en-US" sz="2400" dirty="0" smtClean="0"/>
+              <a:t>Heat sources</a:t>
+            </a:r>
+          </a:p>
+          <a:p>
+            <a:endParaRPr lang="en-US" sz="2400" dirty="0" smtClean="0"/>
+          </a:p>
+          <a:p>
+            <a:r>
+              <a:rPr lang="en-US" sz="2400" dirty="0" smtClean="0"/>
+              <a:t>Iterative design</a:t>
+            </a:r>
+          </a:p>
+          <a:p>
+            <a:pPr lvl="1"/>
+            <a:r>
+              <a:rPr lang="en-US" sz="2400" dirty="0" smtClean="0"/>
+              <a:t>Cycle parameters</a:t>
+            </a:r>
+          </a:p>
+          <a:p>
+            <a:pPr lvl="1"/>
+            <a:r>
+              <a:rPr lang="en-US" sz="2400" dirty="0" smtClean="0"/>
+              <a:t>Design space</a:t>
+            </a:r>
+          </a:p>
+          <a:p>
+            <a:pPr lvl="1"/>
+            <a:r>
+              <a:rPr lang="en-US" sz="2400" dirty="0" smtClean="0"/>
+              <a:t>Mathematical modelling</a:t>
+            </a:r>
+          </a:p>
+          <a:p>
+            <a:pPr lvl="1"/>
+            <a:r>
+              <a:rPr lang="en-US" sz="2400" dirty="0" smtClean="0"/>
+              <a:t>Optimization</a:t>
+            </a:r>
+          </a:p>
+          <a:p>
+            <a:r>
+              <a:rPr lang="en-US" sz="2400" b="1" dirty="0" smtClean="0"/>
+              <a:t>Results</a:t>
+            </a:r>
+          </a:p>
+          <a:p>
+            <a:pPr lvl="1"/>
+            <a:r>
+              <a:rPr lang="en-US" sz="2400" dirty="0" smtClean="0"/>
+              <a:t>Design specifications</a:t>
+            </a:r>
+          </a:p>
+          <a:p>
+            <a:pPr lvl="1"/>
+            <a:r>
+              <a:rPr lang="en-US" sz="2400" b="1" dirty="0" smtClean="0"/>
+              <a:t>Assumptions</a:t>
+            </a:r>
+          </a:p>
+          <a:p>
+            <a:pPr lvl="1"/>
+            <a:r>
+              <a:rPr lang="en-US" sz="2400" dirty="0" smtClean="0"/>
+              <a:t>Discussion</a:t>
+            </a:r>
+          </a:p>
+          <a:p>
+            <a:pPr lvl="1"/>
+            <a:r>
+              <a:rPr lang="en-US" sz="2400" dirty="0" smtClean="0"/>
+              <a:t>Conclusion</a:t>
+            </a:r>
           </a:p>
         </p:txBody>
       </p:sp>
     </p:spTree>
     <p:extLst>
       <p:ext uri="{BB962C8B-B14F-4D97-AF65-F5344CB8AC3E}">
-        <p14:creationId xmlns:p14="http://schemas.microsoft.com/office/powerpoint/2010/main" val="3682436500"/>
+        <p14:creationId xmlns:p14="http://schemas.microsoft.com/office/powerpoint/2010/main" val="2149395146"/>
       </p:ext>
     </p:extLst>
   </p:cSld>
@@ -7883,21 +8103,12 @@
             <p:ph type="title"/>
           </p:nvPr>
         </p:nvSpPr>
-        <p:spPr>
-          <a:xfrm>
-            <a:off x="457200" y="0"/>
-            <a:ext cx="8229600" cy="838200"/>
-          </a:xfrm>
-        </p:spPr>
+        <p:spPr/>
         <p:txBody>
           <a:bodyPr/>
           <a:lstStyle/>
           <a:p>
-            <a:r>
-              <a:rPr lang="en-US" dirty="0" smtClean="0"/>
-              <a:t>Outline</a:t>
-            </a:r>
-            <a:endParaRPr lang="en-US" dirty="0"/>
+            <a:endParaRPr lang="en-US"/>
           </a:p>
         </p:txBody>
       </p:sp>
@@ -7911,170 +8122,19 @@
             <p:ph idx="1"/>
           </p:nvPr>
         </p:nvSpPr>
-        <p:spPr>
-          <a:xfrm>
-            <a:off x="533400" y="838200"/>
-            <a:ext cx="8229600" cy="5791200"/>
-          </a:xfrm>
-        </p:spPr>
-        <p:txBody>
-          <a:bodyPr numCol="2"/>
+        <p:spPr/>
+        <p:txBody>
+          <a:bodyPr/>
           <a:lstStyle/>
           <a:p>
-            <a:r>
-              <a:rPr lang="en-US" sz="2400" dirty="0" smtClean="0"/>
-              <a:t>Waste heat recovery</a:t>
-            </a:r>
-          </a:p>
-          <a:p>
-            <a:pPr lvl="1"/>
-            <a:r>
-              <a:rPr lang="en-US" sz="2400" dirty="0" smtClean="0"/>
-              <a:t>Sources</a:t>
-            </a:r>
-          </a:p>
-          <a:p>
-            <a:pPr lvl="1"/>
-            <a:r>
-              <a:rPr lang="en-US" sz="2400" dirty="0" smtClean="0"/>
-              <a:t>Recovery techniques</a:t>
-            </a:r>
-          </a:p>
-          <a:p>
-            <a:pPr lvl="1"/>
-            <a:r>
-              <a:rPr lang="en-US" sz="2400" dirty="0" smtClean="0"/>
-              <a:t>Technical hurdles</a:t>
-            </a:r>
-          </a:p>
-          <a:p>
-            <a:r>
-              <a:rPr lang="en-US" sz="2400" dirty="0" smtClean="0"/>
-              <a:t>Thermodynamic cycles</a:t>
-            </a:r>
-          </a:p>
-          <a:p>
-            <a:pPr lvl="1"/>
-            <a:r>
-              <a:rPr lang="en-US" sz="2400" dirty="0" smtClean="0"/>
-              <a:t>Rankine cycle</a:t>
-            </a:r>
-          </a:p>
-          <a:p>
-            <a:pPr lvl="1"/>
-            <a:r>
-              <a:rPr lang="en-US" sz="2400" dirty="0" smtClean="0"/>
-              <a:t>Organic Rankine cycle</a:t>
-            </a:r>
-          </a:p>
-          <a:p>
-            <a:pPr lvl="1"/>
-            <a:r>
-              <a:rPr lang="en-US" sz="2400" dirty="0" smtClean="0"/>
-              <a:t>Kalina cycle</a:t>
-            </a:r>
-          </a:p>
-          <a:p>
-            <a:r>
-              <a:rPr lang="en-US" sz="2400" dirty="0" smtClean="0"/>
-              <a:t>Automotive application</a:t>
-            </a:r>
-          </a:p>
-          <a:p>
-            <a:pPr lvl="1"/>
-            <a:r>
-              <a:rPr lang="en-US" sz="2400" dirty="0" smtClean="0"/>
-              <a:t>Special design considerations</a:t>
-            </a:r>
-          </a:p>
-          <a:p>
-            <a:pPr lvl="1"/>
-            <a:r>
-              <a:rPr lang="en-US" sz="2400" dirty="0" smtClean="0"/>
-              <a:t>Heat sources</a:t>
-            </a:r>
-          </a:p>
-          <a:p>
-            <a:endParaRPr lang="en-US" sz="2400" dirty="0" smtClean="0"/>
-          </a:p>
-          <a:p>
-            <a:r>
-              <a:rPr lang="en-US" sz="2400" dirty="0" smtClean="0"/>
-              <a:t>Iterative </a:t>
-            </a:r>
-            <a:r>
-              <a:rPr lang="en-US" sz="2400" dirty="0" smtClean="0"/>
-              <a:t>design</a:t>
-            </a:r>
-          </a:p>
-          <a:p>
-            <a:pPr lvl="1"/>
-            <a:r>
-              <a:rPr lang="en-US" sz="2400" dirty="0" smtClean="0"/>
-              <a:t>Cycle parameters</a:t>
-            </a:r>
-          </a:p>
-          <a:p>
-            <a:pPr lvl="1"/>
-            <a:r>
-              <a:rPr lang="en-US" sz="2400" dirty="0" smtClean="0"/>
-              <a:t>Design space</a:t>
-            </a:r>
-          </a:p>
-          <a:p>
-            <a:pPr lvl="1"/>
-            <a:r>
-              <a:rPr lang="en-US" sz="2400" dirty="0" smtClean="0"/>
-              <a:t>Mathematical modelling</a:t>
-            </a:r>
-          </a:p>
-          <a:p>
-            <a:pPr lvl="1"/>
-            <a:r>
-              <a:rPr lang="en-US" sz="2400" dirty="0" smtClean="0"/>
-              <a:t>Optimization</a:t>
-            </a:r>
-          </a:p>
-          <a:p>
-            <a:r>
-              <a:rPr lang="en-US" sz="2400" b="1" dirty="0" smtClean="0"/>
-              <a:t>Results</a:t>
-            </a:r>
-          </a:p>
-          <a:p>
-            <a:pPr lvl="1"/>
-            <a:r>
-              <a:rPr lang="en-US" sz="2400" dirty="0" smtClean="0"/>
-              <a:t>Design specifications</a:t>
-            </a:r>
-          </a:p>
-          <a:p>
-            <a:pPr lvl="1"/>
-            <a:r>
-              <a:rPr lang="en-US" sz="2400" b="1" dirty="0" smtClean="0"/>
-              <a:t>Assumptions</a:t>
-            </a:r>
-          </a:p>
-          <a:p>
-            <a:pPr lvl="1"/>
-            <a:r>
-              <a:rPr lang="en-US" sz="2400" dirty="0" smtClean="0"/>
-              <a:t>Discussion</a:t>
-            </a:r>
-          </a:p>
-          <a:p>
-            <a:pPr lvl="1"/>
-            <a:r>
-              <a:rPr lang="en-US" sz="2400" dirty="0" smtClean="0"/>
-              <a:t>Conclusion</a:t>
-            </a:r>
+            <a:endParaRPr lang="en-US"/>
           </a:p>
         </p:txBody>
       </p:sp>
     </p:spTree>
     <p:extLst>
       <p:ext uri="{BB962C8B-B14F-4D97-AF65-F5344CB8AC3E}">
-        <p14:creationId xmlns:p14="http://schemas.microsoft.com/office/powerpoint/2010/main" val="2149395146"/>
+        <p14:creationId xmlns:p14="http://schemas.microsoft.com/office/powerpoint/2010/main" val="1945648921"/>
       </p:ext>
     </p:extLst>
   </p:cSld>
@@ -8111,12 +8171,21 @@
             <p:ph type="title"/>
           </p:nvPr>
         </p:nvSpPr>
-        <p:spPr/>
+        <p:spPr>
+          <a:xfrm>
+            <a:off x="457200" y="0"/>
+            <a:ext cx="8229600" cy="838200"/>
+          </a:xfrm>
+        </p:spPr>
         <p:txBody>
           <a:bodyPr/>
           <a:lstStyle/>
           <a:p>
-            <a:endParaRPr lang="en-US"/>
+            <a:r>
+              <a:rPr lang="en-US" dirty="0" smtClean="0"/>
+              <a:t>Outline</a:t>
+            </a:r>
+            <a:endParaRPr lang="en-US" dirty="0"/>
           </a:p>
         </p:txBody>
       </p:sp>
@@ -8130,19 +8199,166 @@
             <p:ph idx="1"/>
           </p:nvPr>
         </p:nvSpPr>
-        <p:spPr/>
-        <p:txBody>
-          <a:bodyPr/>
+        <p:spPr>
+          <a:xfrm>
+            <a:off x="533400" y="838200"/>
+            <a:ext cx="8229600" cy="5791200"/>
+          </a:xfrm>
+        </p:spPr>
+        <p:txBody>
+          <a:bodyPr numCol="2"/>
           <a:lstStyle/>
           <a:p>
-            <a:endParaRPr lang="en-US"/>
+            <a:r>
+              <a:rPr lang="en-US" sz="2400" dirty="0" smtClean="0"/>
+              <a:t>Waste heat recovery</a:t>
+            </a:r>
+          </a:p>
+          <a:p>
+            <a:pPr lvl="1"/>
+            <a:r>
+              <a:rPr lang="en-US" sz="2400" dirty="0" smtClean="0"/>
+              <a:t>Sources</a:t>
+            </a:r>
+          </a:p>
+          <a:p>
+            <a:pPr lvl="1"/>
+            <a:r>
+              <a:rPr lang="en-US" sz="2400" dirty="0" smtClean="0"/>
+              <a:t>Recovery techniques</a:t>
+            </a:r>
+          </a:p>
+          <a:p>
+            <a:pPr lvl="1"/>
+            <a:r>
+              <a:rPr lang="en-US" sz="2400" dirty="0" smtClean="0"/>
+              <a:t>Technical hurdles</a:t>
+            </a:r>
+          </a:p>
+          <a:p>
+            <a:r>
+              <a:rPr lang="en-US" sz="2400" dirty="0" smtClean="0"/>
+              <a:t>Thermodynamic cycles</a:t>
+            </a:r>
+          </a:p>
+          <a:p>
+            <a:pPr lvl="1"/>
+            <a:r>
+              <a:rPr lang="en-US" sz="2400" dirty="0" smtClean="0"/>
+              <a:t>Rankine cycle</a:t>
+            </a:r>
+          </a:p>
+          <a:p>
+            <a:pPr lvl="1"/>
+            <a:r>
+              <a:rPr lang="en-US" sz="2400" dirty="0" smtClean="0"/>
+              <a:t>Organic Rankine cycle</a:t>
+            </a:r>
+          </a:p>
+          <a:p>
+            <a:pPr lvl="1"/>
+            <a:r>
+              <a:rPr lang="en-US" sz="2400" dirty="0" smtClean="0"/>
+              <a:t>Kalina cycle</a:t>
+            </a:r>
+          </a:p>
+          <a:p>
+            <a:r>
+              <a:rPr lang="en-US" sz="2400" dirty="0" smtClean="0"/>
+              <a:t>Automotive application</a:t>
+            </a:r>
+          </a:p>
+          <a:p>
+            <a:pPr lvl="1"/>
+            <a:r>
+              <a:rPr lang="en-US" sz="2400" dirty="0" smtClean="0"/>
+              <a:t>Special design considerations</a:t>
+            </a:r>
+          </a:p>
+          <a:p>
+            <a:pPr lvl="1"/>
+            <a:r>
+              <a:rPr lang="en-US" sz="2400" dirty="0" smtClean="0"/>
+              <a:t>Heat sources</a:t>
+            </a:r>
+          </a:p>
+          <a:p>
+            <a:endParaRPr lang="en-US" sz="2400" dirty="0" smtClean="0"/>
+          </a:p>
+          <a:p>
+            <a:r>
+              <a:rPr lang="en-US" sz="2400" dirty="0" smtClean="0"/>
+              <a:t>Iterative design</a:t>
+            </a:r>
+          </a:p>
+          <a:p>
+            <a:pPr lvl="1"/>
+            <a:r>
+              <a:rPr lang="en-US" sz="2400" dirty="0" smtClean="0"/>
+              <a:t>Cycle parameters</a:t>
+            </a:r>
+          </a:p>
+          <a:p>
+            <a:pPr lvl="1"/>
+            <a:r>
+              <a:rPr lang="en-US" sz="2400" dirty="0" smtClean="0"/>
+              <a:t>Design space</a:t>
+            </a:r>
+          </a:p>
+          <a:p>
+            <a:pPr lvl="1"/>
+            <a:r>
+              <a:rPr lang="en-US" sz="2400" dirty="0" smtClean="0"/>
+              <a:t>Mathematical modelling</a:t>
+            </a:r>
+          </a:p>
+          <a:p>
+            <a:pPr lvl="1"/>
+            <a:r>
+              <a:rPr lang="en-US" sz="2400" dirty="0" smtClean="0"/>
+              <a:t>Optimization</a:t>
+            </a:r>
+          </a:p>
+          <a:p>
+            <a:r>
+              <a:rPr lang="en-US" sz="2400" b="1" dirty="0" smtClean="0"/>
+              <a:t>Results</a:t>
+            </a:r>
+          </a:p>
+          <a:p>
+            <a:pPr lvl="1"/>
+            <a:r>
+              <a:rPr lang="en-US" sz="2400" dirty="0" smtClean="0"/>
+              <a:t>Design specifications</a:t>
+            </a:r>
+          </a:p>
+          <a:p>
+            <a:pPr lvl="1"/>
+            <a:r>
+              <a:rPr lang="en-US" sz="2400" dirty="0" smtClean="0"/>
+              <a:t>Assumptions</a:t>
+            </a:r>
+          </a:p>
+          <a:p>
+            <a:pPr lvl="1"/>
+            <a:r>
+              <a:rPr lang="en-US" sz="2400" b="1" dirty="0" smtClean="0"/>
+              <a:t>Discussion</a:t>
+            </a:r>
+          </a:p>
+          <a:p>
+            <a:pPr lvl="1"/>
+            <a:r>
+              <a:rPr lang="en-US" sz="2400" dirty="0" smtClean="0"/>
+              <a:t>Conclusion</a:t>
+            </a:r>
           </a:p>
         </p:txBody>
       </p:sp>
     </p:spTree>
     <p:extLst>
       <p:ext uri="{BB962C8B-B14F-4D97-AF65-F5344CB8AC3E}">
-        <p14:creationId xmlns:p14="http://schemas.microsoft.com/office/powerpoint/2010/main" val="1945648921"/>
+        <p14:creationId xmlns:p14="http://schemas.microsoft.com/office/powerpoint/2010/main" val="2149395146"/>
       </p:ext>
     </p:extLst>
   </p:cSld>
@@ -8179,21 +8395,12 @@
             <p:ph type="title"/>
           </p:nvPr>
         </p:nvSpPr>
-        <p:spPr>
-          <a:xfrm>
-            <a:off x="457200" y="0"/>
-            <a:ext cx="8229600" cy="838200"/>
-          </a:xfrm>
-        </p:spPr>
+        <p:spPr/>
         <p:txBody>
           <a:bodyPr/>
           <a:lstStyle/>
           <a:p>
-            <a:r>
-              <a:rPr lang="en-US" dirty="0" smtClean="0"/>
-              <a:t>Outline</a:t>
-            </a:r>
-            <a:endParaRPr lang="en-US" dirty="0"/>
+            <a:endParaRPr lang="en-US"/>
           </a:p>
         </p:txBody>
       </p:sp>
@@ -8207,170 +8414,19 @@
             <p:ph idx="1"/>
           </p:nvPr>
         </p:nvSpPr>
-        <p:spPr>
-          <a:xfrm>
-            <a:off x="533400" y="838200"/>
-            <a:ext cx="8229600" cy="5791200"/>
-          </a:xfrm>
-        </p:spPr>
-        <p:txBody>
-          <a:bodyPr numCol="2"/>
+        <p:spPr/>
+        <p:txBody>
+          <a:bodyPr/>
           <a:lstStyle/>
           <a:p>
-            <a:r>
-              <a:rPr lang="en-US" sz="2400" dirty="0" smtClean="0"/>
-              <a:t>Waste heat recovery</a:t>
-            </a:r>
-          </a:p>
-          <a:p>
-            <a:pPr lvl="1"/>
-            <a:r>
-              <a:rPr lang="en-US" sz="2400" dirty="0" smtClean="0"/>
-              <a:t>Sources</a:t>
-            </a:r>
-          </a:p>
-          <a:p>
-            <a:pPr lvl="1"/>
-            <a:r>
-              <a:rPr lang="en-US" sz="2400" dirty="0" smtClean="0"/>
-              <a:t>Recovery techniques</a:t>
-            </a:r>
-          </a:p>
-          <a:p>
-            <a:pPr lvl="1"/>
-            <a:r>
-              <a:rPr lang="en-US" sz="2400" dirty="0" smtClean="0"/>
-              <a:t>Technical hurdles</a:t>
-            </a:r>
-          </a:p>
-          <a:p>
-            <a:r>
-              <a:rPr lang="en-US" sz="2400" dirty="0" smtClean="0"/>
-              <a:t>Thermodynamic cycles</a:t>
-            </a:r>
-          </a:p>
-          <a:p>
-            <a:pPr lvl="1"/>
-            <a:r>
-              <a:rPr lang="en-US" sz="2400" dirty="0" smtClean="0"/>
-              <a:t>Rankine cycle</a:t>
-            </a:r>
-          </a:p>
-          <a:p>
-            <a:pPr lvl="1"/>
-            <a:r>
-              <a:rPr lang="en-US" sz="2400" dirty="0" smtClean="0"/>
-              <a:t>Organic Rankine cycle</a:t>
-            </a:r>
-          </a:p>
-          <a:p>
-            <a:pPr lvl="1"/>
-            <a:r>
-              <a:rPr lang="en-US" sz="2400" dirty="0" smtClean="0"/>
-              <a:t>Kalina cycle</a:t>
-            </a:r>
-          </a:p>
-          <a:p>
-            <a:r>
-              <a:rPr lang="en-US" sz="2400" dirty="0" smtClean="0"/>
-              <a:t>Automotive application</a:t>
-            </a:r>
-          </a:p>
-          <a:p>
-            <a:pPr lvl="1"/>
-            <a:r>
-              <a:rPr lang="en-US" sz="2400" dirty="0" smtClean="0"/>
-              <a:t>Special design considerations</a:t>
-            </a:r>
-          </a:p>
-          <a:p>
-            <a:pPr lvl="1"/>
-            <a:r>
-              <a:rPr lang="en-US" sz="2400" dirty="0" smtClean="0"/>
-              <a:t>Heat sources</a:t>
-            </a:r>
-          </a:p>
-          <a:p>
-            <a:endParaRPr lang="en-US" sz="2400" dirty="0" smtClean="0"/>
-          </a:p>
-          <a:p>
-            <a:r>
-              <a:rPr lang="en-US" sz="2400" dirty="0" smtClean="0"/>
-              <a:t>Iterative </a:t>
-            </a:r>
-            <a:r>
-              <a:rPr lang="en-US" sz="2400" dirty="0" smtClean="0"/>
-              <a:t>design</a:t>
-            </a:r>
-          </a:p>
-          <a:p>
-            <a:pPr lvl="1"/>
-            <a:r>
-              <a:rPr lang="en-US" sz="2400" dirty="0" smtClean="0"/>
-              <a:t>Cycle parameters</a:t>
-            </a:r>
-          </a:p>
-          <a:p>
-            <a:pPr lvl="1"/>
-            <a:r>
-              <a:rPr lang="en-US" sz="2400" dirty="0" smtClean="0"/>
-              <a:t>Design space</a:t>
-            </a:r>
-          </a:p>
-          <a:p>
-            <a:pPr lvl="1"/>
-            <a:r>
-              <a:rPr lang="en-US" sz="2400" dirty="0" smtClean="0"/>
-              <a:t>Mathematical modelling</a:t>
-            </a:r>
-          </a:p>
-          <a:p>
-            <a:pPr lvl="1"/>
-            <a:r>
-              <a:rPr lang="en-US" sz="2400" dirty="0" smtClean="0"/>
-              <a:t>Optimization</a:t>
-            </a:r>
-          </a:p>
-          <a:p>
-            <a:r>
-              <a:rPr lang="en-US" sz="2400" b="1" dirty="0" smtClean="0"/>
-              <a:t>Results</a:t>
-            </a:r>
-          </a:p>
-          <a:p>
-            <a:pPr lvl="1"/>
-            <a:r>
-              <a:rPr lang="en-US" sz="2400" dirty="0" smtClean="0"/>
-              <a:t>Design specifications</a:t>
-            </a:r>
-          </a:p>
-          <a:p>
-            <a:pPr lvl="1"/>
-            <a:r>
-              <a:rPr lang="en-US" sz="2400" dirty="0" smtClean="0"/>
-              <a:t>Assumptions</a:t>
-            </a:r>
-          </a:p>
-          <a:p>
-            <a:pPr lvl="1"/>
-            <a:r>
-              <a:rPr lang="en-US" sz="2400" b="1" dirty="0" smtClean="0"/>
-              <a:t>Discussion</a:t>
-            </a:r>
-          </a:p>
-          <a:p>
-            <a:pPr lvl="1"/>
-            <a:r>
-              <a:rPr lang="en-US" sz="2400" dirty="0" smtClean="0"/>
-              <a:t>Conclusion</a:t>
-            </a:r>
+            <a:endParaRPr lang="en-US"/>
           </a:p>
         </p:txBody>
       </p:sp>
     </p:spTree>
     <p:extLst>
       <p:ext uri="{BB962C8B-B14F-4D97-AF65-F5344CB8AC3E}">
-        <p14:creationId xmlns:p14="http://schemas.microsoft.com/office/powerpoint/2010/main" val="2149395146"/>
+        <p14:creationId xmlns:p14="http://schemas.microsoft.com/office/powerpoint/2010/main" val="304449306"/>
       </p:ext>
     </p:extLst>
   </p:cSld>
@@ -8407,74 +8463,6 @@
             <p:ph type="title"/>
           </p:nvPr>
         </p:nvSpPr>
-        <p:spPr/>
-        <p:txBody>
-          <a:bodyPr/>
-          <a:lstStyle/>
-          <a:p>
-            <a:endParaRPr lang="en-US"/>
-          </a:p>
-        </p:txBody>
-      </p:sp>
-      <p:sp>
-        <p:nvSpPr>
-          <p:cNvPr id="3" name="Content Placeholder 2"/>
-          <p:cNvSpPr>
-            <a:spLocks noGrp="1"/>
-          </p:cNvSpPr>
-          <p:nvPr>
-            <p:ph idx="1"/>
-          </p:nvPr>
-        </p:nvSpPr>
-        <p:spPr/>
-        <p:txBody>
-          <a:bodyPr/>
-          <a:lstStyle/>
-          <a:p>
-            <a:endParaRPr lang="en-US"/>
-          </a:p>
-        </p:txBody>
-      </p:sp>
-    </p:spTree>
-    <p:extLst>
-      <p:ext uri="{BB962C8B-B14F-4D97-AF65-F5344CB8AC3E}">
-        <p14:creationId xmlns:p14="http://schemas.microsoft.com/office/powerpoint/2010/main" val="304449306"/>
-      </p:ext>
-    </p:extLst>
-  </p:cSld>
-  <p:clrMapOvr>
-    <a:masterClrMapping/>
-  </p:clrMapOvr>
-</p:sld>
-</file>
-
-<file path=ppt/slides/slide37.xml><?xml version="1.0" encoding="utf-8"?>
-<p:sld xmlns:a="http://schemas.openxmlformats.org/drawingml/2006/main" xmlns:r="http://schemas.openxmlformats.org/officeDocument/2006/relationships" xmlns:p="http://schemas.openxmlformats.org/presentationml/2006/main">
-  <p:cSld>
-    <p:spTree>
-      <p:nvGrpSpPr>
-        <p:cNvPr id="1" name=""/>
-        <p:cNvGrpSpPr/>
-        <p:nvPr/>
-      </p:nvGrpSpPr>
-      <p:grpSpPr>
-        <a:xfrm>
-          <a:off x="0" y="0"/>
-          <a:ext cx="0" cy="0"/>
-          <a:chOff x="0" y="0"/>
-          <a:chExt cx="0" cy="0"/>
-        </a:xfrm>
-      </p:grpSpPr>
-      <p:sp>
-        <p:nvSpPr>
-          <p:cNvPr id="2" name="Title 1"/>
-          <p:cNvSpPr>
-            <a:spLocks noGrp="1"/>
-          </p:cNvSpPr>
-          <p:nvPr>
-            <p:ph type="title"/>
-          </p:nvPr>
-        </p:nvSpPr>
         <p:spPr>
           <a:xfrm>
             <a:off x="457200" y="0"/>
@@ -8592,11 +8580,7 @@
           <a:p>
             <a:r>
               <a:rPr lang="en-US" sz="2400" dirty="0" smtClean="0"/>
-              <a:t>Iterative </a:t>
-            </a:r>
-            <a:r>
-              <a:rPr lang="en-US" sz="2400" dirty="0" smtClean="0"/>
-              <a:t>design</a:t>
+              <a:t>Iterative design</a:t>
             </a:r>
           </a:p>
           <a:p>
@@ -8676,7 +8660,7 @@
 </p:sld>
 </file>
 
-<file path=ppt/slides/slide38.xml><?xml version="1.0" encoding="utf-8"?>
+<file path=ppt/slides/slide37.xml><?xml version="1.0" encoding="utf-8"?>
 <p:sld xmlns:a="http://schemas.openxmlformats.org/drawingml/2006/main" xmlns:r="http://schemas.openxmlformats.org/officeDocument/2006/relationships" xmlns:p="http://schemas.openxmlformats.org/presentationml/2006/main">
   <p:cSld>
     <p:spTree>
@@ -9116,11 +9100,7 @@
           <a:p>
             <a:r>
               <a:rPr lang="en-US" sz="2400" dirty="0" smtClean="0"/>
-              <a:t>Iterative </a:t>
-            </a:r>
-            <a:r>
-              <a:rPr lang="en-US" sz="2400" dirty="0" smtClean="0"/>
-              <a:t>design</a:t>
+              <a:t>Iterative design</a:t>
             </a:r>
           </a:p>
           <a:p>

--- a/Proposal/Proposal presentation.pptx
+++ b/Proposal/Proposal presentation.pptx
@@ -172,7 +172,7 @@
   </p:defaultTextStyle>
   <p:extLst>
     <p:ext uri="{EFAFB233-063F-42B5-8137-9DF3F51BA10A}">
-      <p15:sldGuideLst xmlns:p15="http://schemas.microsoft.com/office/powerpoint/2012/main" xmlns="">
+      <p15:sldGuideLst xmlns="" xmlns:p15="http://schemas.microsoft.com/office/powerpoint/2012/main">
         <p15:guide id="1" orient="horz" pos="2160">
           <p15:clr>
             <a:srgbClr val="A4A3A4"/>
@@ -380,7 +380,7 @@
               <a:pPr>
                 <a:defRPr/>
               </a:pPr>
-              <a:t>2/21/2019</a:t>
+              <a:t>2/24/2019</a:t>
             </a:fld>
             <a:endParaRPr lang="en-US"/>
           </a:p>
@@ -577,7 +577,7 @@
               <a:pPr>
                 <a:defRPr/>
               </a:pPr>
-              <a:t>2/21/2019</a:t>
+              <a:t>2/24/2019</a:t>
             </a:fld>
             <a:endParaRPr lang="en-US"/>
           </a:p>
@@ -784,7 +784,7 @@
               <a:pPr>
                 <a:defRPr/>
               </a:pPr>
-              <a:t>2/21/2019</a:t>
+              <a:t>2/24/2019</a:t>
             </a:fld>
             <a:endParaRPr lang="en-US"/>
           </a:p>
@@ -981,7 +981,7 @@
               <a:pPr>
                 <a:defRPr/>
               </a:pPr>
-              <a:t>2/21/2019</a:t>
+              <a:t>2/24/2019</a:t>
             </a:fld>
             <a:endParaRPr lang="en-US"/>
           </a:p>
@@ -1254,7 +1254,7 @@
               <a:pPr>
                 <a:defRPr/>
               </a:pPr>
-              <a:t>2/21/2019</a:t>
+              <a:t>2/24/2019</a:t>
             </a:fld>
             <a:endParaRPr lang="en-US"/>
           </a:p>
@@ -1569,7 +1569,7 @@
               <a:pPr>
                 <a:defRPr/>
               </a:pPr>
-              <a:t>2/21/2019</a:t>
+              <a:t>2/24/2019</a:t>
             </a:fld>
             <a:endParaRPr lang="en-US"/>
           </a:p>
@@ -2018,7 +2018,7 @@
               <a:pPr>
                 <a:defRPr/>
               </a:pPr>
-              <a:t>2/21/2019</a:t>
+              <a:t>2/24/2019</a:t>
             </a:fld>
             <a:endParaRPr lang="en-US"/>
           </a:p>
@@ -2163,7 +2163,7 @@
               <a:pPr>
                 <a:defRPr/>
               </a:pPr>
-              <a:t>2/21/2019</a:t>
+              <a:t>2/24/2019</a:t>
             </a:fld>
             <a:endParaRPr lang="en-US"/>
           </a:p>
@@ -2285,7 +2285,7 @@
               <a:pPr>
                 <a:defRPr/>
               </a:pPr>
-              <a:t>2/21/2019</a:t>
+              <a:t>2/24/2019</a:t>
             </a:fld>
             <a:endParaRPr lang="en-US"/>
           </a:p>
@@ -2589,7 +2589,7 @@
               <a:pPr>
                 <a:defRPr/>
               </a:pPr>
-              <a:t>2/21/2019</a:t>
+              <a:t>2/24/2019</a:t>
             </a:fld>
             <a:endParaRPr lang="en-US"/>
           </a:p>
@@ -2876,7 +2876,7 @@
               <a:pPr>
                 <a:defRPr/>
               </a:pPr>
-              <a:t>2/21/2019</a:t>
+              <a:t>2/24/2019</a:t>
             </a:fld>
             <a:endParaRPr lang="en-US"/>
           </a:p>
@@ -3176,7 +3176,7 @@
               <a:pPr>
                 <a:defRPr/>
               </a:pPr>
-              <a:t>2/21/2019</a:t>
+              <a:t>2/24/2019</a:t>
             </a:fld>
             <a:endParaRPr lang="en-US"/>
           </a:p>
@@ -8108,7 +8108,11 @@
           <a:bodyPr/>
           <a:lstStyle/>
           <a:p>
-            <a:endParaRPr lang="en-US"/>
+            <a:r>
+              <a:rPr lang="en-US" dirty="0" smtClean="0"/>
+              <a:t>Assumptions</a:t>
+            </a:r>
+            <a:endParaRPr lang="en-US" dirty="0"/>
           </a:p>
         </p:txBody>
       </p:sp>
@@ -8127,7 +8131,16 @@
           <a:bodyPr/>
           <a:lstStyle/>
           <a:p>
-            <a:endParaRPr lang="en-US"/>
+            <a:r>
+              <a:rPr lang="en-US" dirty="0" smtClean="0"/>
+              <a:t>Test assumptions made in the mathematical model</a:t>
+            </a:r>
+          </a:p>
+          <a:p>
+            <a:r>
+              <a:rPr lang="en-US" dirty="0" smtClean="0"/>
+              <a:t>Depending on the outcomes adjustments should be made to results</a:t>
+            </a:r>
           </a:p>
         </p:txBody>
       </p:sp>
@@ -8400,26 +8413,41 @@
           <a:bodyPr/>
           <a:lstStyle/>
           <a:p>
-            <a:endParaRPr lang="en-US"/>
-          </a:p>
-        </p:txBody>
-      </p:sp>
-      <p:sp>
-        <p:nvSpPr>
-          <p:cNvPr id="3" name="Content Placeholder 2"/>
-          <p:cNvSpPr>
-            <a:spLocks noGrp="1"/>
-          </p:cNvSpPr>
-          <p:nvPr>
-            <p:ph idx="1"/>
-          </p:nvPr>
-        </p:nvSpPr>
-        <p:spPr/>
-        <p:txBody>
-          <a:bodyPr/>
+            <a:r>
+              <a:rPr lang="en-US" dirty="0" smtClean="0"/>
+              <a:t>Discussion</a:t>
+            </a:r>
+            <a:endParaRPr lang="en-US" dirty="0"/>
+          </a:p>
+        </p:txBody>
+      </p:sp>
+      <p:sp>
+        <p:nvSpPr>
+          <p:cNvPr id="4" name="TextBox 3"/>
+          <p:cNvSpPr txBox="1"/>
+          <p:nvPr/>
+        </p:nvSpPr>
+        <p:spPr>
+          <a:xfrm>
+            <a:off x="381000" y="1295400"/>
+            <a:ext cx="8458200" cy="923330"/>
+          </a:xfrm>
+          <a:prstGeom prst="rect">
+            <a:avLst/>
+          </a:prstGeom>
+          <a:noFill/>
+        </p:spPr>
+        <p:txBody>
+          <a:bodyPr wrap="square" rtlCol="0">
+            <a:spAutoFit/>
+          </a:bodyPr>
           <a:lstStyle/>
           <a:p>
-            <a:endParaRPr lang="en-US"/>
+            <a:r>
+              <a:rPr lang="en-US" dirty="0" smtClean="0"/>
+              <a:t>For the purpose of gaining my MSE, there will be further discussion of the model, assumptions and results. This discussion will layout future work plans, optimizations to the work performed here, and explanations of what was completed as required.</a:t>
+            </a:r>
+            <a:endParaRPr lang="en-US" dirty="0"/>
           </a:p>
         </p:txBody>
       </p:sp>
@@ -8687,31 +8715,21 @@
             <p:ph type="title"/>
           </p:nvPr>
         </p:nvSpPr>
-        <p:spPr/>
+        <p:spPr>
+          <a:xfrm>
+            <a:off x="457200" y="3048000"/>
+            <a:ext cx="8229600" cy="1143000"/>
+          </a:xfrm>
+        </p:spPr>
         <p:txBody>
           <a:bodyPr/>
           <a:lstStyle/>
           <a:p>
-            <a:endParaRPr lang="en-US"/>
-          </a:p>
-        </p:txBody>
-      </p:sp>
-      <p:sp>
-        <p:nvSpPr>
-          <p:cNvPr id="3" name="Content Placeholder 2"/>
-          <p:cNvSpPr>
-            <a:spLocks noGrp="1"/>
-          </p:cNvSpPr>
-          <p:nvPr>
-            <p:ph idx="1"/>
-          </p:nvPr>
-        </p:nvSpPr>
-        <p:spPr/>
-        <p:txBody>
-          <a:bodyPr/>
-          <a:lstStyle/>
-          <a:p>
-            <a:endParaRPr lang="en-US"/>
+            <a:r>
+              <a:rPr lang="en-US" dirty="0" smtClean="0"/>
+              <a:t>Questions?</a:t>
+            </a:r>
+            <a:endParaRPr lang="en-US" dirty="0"/>
           </a:p>
         </p:txBody>
       </p:sp>
